--- a/FW/Hau/MQTT & JSON/MQTT&Json.pptx
+++ b/FW/Hau/MQTT & JSON/MQTT&Json.pptx
@@ -218,7 +218,7 @@
           <a:p>
             <a:fld id="{BE921E71-55FB-4F70-BA64-7E87629B9540}" type="datetimeFigureOut">
               <a:rPr lang="en-US" smtClean="0"/>
-              <a:t>7/25/2020</a:t>
+              <a:t>7/31/2020</a:t>
             </a:fld>
             <a:endParaRPr lang="en-US"/>
           </a:p>
@@ -3276,7 +3276,7 @@
           <a:p>
             <a:fld id="{6D9FEF56-C5D4-4D87-B961-211842A8ECEA}" type="datetime1">
               <a:rPr lang="en-US" smtClean="0"/>
-              <a:t>7/25/2020</a:t>
+              <a:t>7/31/2020</a:t>
             </a:fld>
             <a:endParaRPr lang="en-US"/>
           </a:p>
@@ -4892,11 +4892,7 @@
             </a:pPr>
             <a:r>
               <a:rPr lang="en-US" sz="1400" smtClean="0"/>
-              <a:t>PubSubClient </a:t>
-            </a:r>
-            <a:r>
-              <a:rPr lang="en-US" sz="1400" smtClean="0"/>
-              <a:t>&lt;name_of_client_mqtt&gt;(network_client);</a:t>
+              <a:t>PubSubClient &lt;name_of_client_mqtt&gt;(network_client);</a:t>
             </a:r>
           </a:p>
           <a:p>
@@ -4948,11 +4944,7 @@
             </a:r>
             <a:r>
               <a:rPr lang="en-US" sz="1400" smtClean="0"/>
-              <a:t>- boolean publish(topic, payload, [length], [retained</a:t>
-            </a:r>
-            <a:r>
-              <a:rPr lang="en-US" sz="1400" smtClean="0"/>
-              <a:t>]);</a:t>
+              <a:t>- boolean publish(topic, payload, [length], [retained]);</a:t>
             </a:r>
           </a:p>
           <a:p>
@@ -4971,11 +4963,7 @@
             </a:r>
             <a:r>
               <a:rPr lang="en-US" sz="1400"/>
-              <a:t>boolean publish(topic, </a:t>
-            </a:r>
-            <a:r>
-              <a:rPr lang="en-US" sz="1400"/>
-              <a:t>payload</a:t>
+              <a:t>boolean publish(topic, payload</a:t>
             </a:r>
             <a:r>
               <a:rPr lang="en-US" sz="1400" smtClean="0"/>
@@ -4983,17 +4971,12 @@
             </a:r>
             <a:r>
               <a:rPr lang="en-US" sz="1400"/>
-              <a:t>[</a:t>
-            </a:r>
-            <a:r>
-              <a:rPr lang="en-US" sz="1400"/>
-              <a:t>retained</a:t>
+              <a:t>[retained</a:t>
             </a:r>
             <a:r>
               <a:rPr lang="en-US" sz="1400" smtClean="0"/>
               <a:t>]);</a:t>
             </a:r>
-            <a:endParaRPr lang="en-US" sz="1400" smtClean="0"/>
           </a:p>
           <a:p>
             <a:pPr>
@@ -5007,11 +4990,7 @@
             </a:r>
             <a:r>
               <a:rPr lang="en-US" sz="1400" smtClean="0"/>
-              <a:t>- boolean subscribe(topic, [qos</a:t>
-            </a:r>
-            <a:r>
-              <a:rPr lang="en-US" sz="1400" smtClean="0"/>
-              <a:t>]);</a:t>
+              <a:t>- boolean subscribe(topic, [qos]);</a:t>
             </a:r>
           </a:p>
           <a:p>
@@ -5022,9 +5001,8 @@
             </a:pPr>
             <a:r>
               <a:rPr lang="en-US" sz="1400" smtClean="0"/>
-              <a:t> - boolean publish(topic, payload, [qos], [retained]);</a:t>
-            </a:r>
-            <a:endParaRPr lang="en-US" sz="1400" smtClean="0"/>
+              <a:t> </a:t>
+            </a:r>
           </a:p>
         </p:txBody>
       </p:sp>

--- a/FW/Hau/MQTT & JSON/MQTT&Json.pptx
+++ b/FW/Hau/MQTT & JSON/MQTT&Json.pptx
@@ -218,7 +218,7 @@
           <a:p>
             <a:fld id="{BE921E71-55FB-4F70-BA64-7E87629B9540}" type="datetimeFigureOut">
               <a:rPr lang="en-US" smtClean="0"/>
-              <a:t>7/31/2020</a:t>
+              <a:t>8/23/2020</a:t>
             </a:fld>
             <a:endParaRPr lang="en-US"/>
           </a:p>
@@ -282,38 +282,37 @@
           <a:p>
             <a:pPr lvl="0"/>
             <a:r>
-              <a:rPr lang="en-US" smtClean="0"/>
+              <a:rPr lang="en-US"/>
               <a:t>Edit Master text styles</a:t>
             </a:r>
           </a:p>
           <a:p>
             <a:pPr lvl="1"/>
             <a:r>
-              <a:rPr lang="en-US" smtClean="0"/>
+              <a:rPr lang="en-US"/>
               <a:t>Second level</a:t>
             </a:r>
           </a:p>
           <a:p>
             <a:pPr lvl="2"/>
             <a:r>
-              <a:rPr lang="en-US" smtClean="0"/>
+              <a:rPr lang="en-US"/>
               <a:t>Third level</a:t>
             </a:r>
           </a:p>
           <a:p>
             <a:pPr lvl="3"/>
             <a:r>
-              <a:rPr lang="en-US" smtClean="0"/>
+              <a:rPr lang="en-US"/>
               <a:t>Fourth level</a:t>
             </a:r>
           </a:p>
           <a:p>
             <a:pPr lvl="4"/>
             <a:r>
-              <a:rPr lang="en-US" smtClean="0"/>
+              <a:rPr lang="en-US"/>
               <a:t>Fifth level</a:t>
             </a:r>
-            <a:endParaRPr lang="en-US"/>
           </a:p>
         </p:txBody>
       </p:sp>
@@ -557,13 +556,6 @@
   <p:clrMapOvr>
     <a:masterClrMapping/>
   </p:clrMapOvr>
-  <p:timing>
-    <p:tnLst>
-      <p:par>
-        <p:cTn id="1" dur="indefinite" restart="never" nodeType="tmRoot"/>
-      </p:par>
-    </p:tnLst>
-  </p:timing>
 </p:sldLayout>
 </file>
 
@@ -667,22 +659,23 @@
                 <a:solidFill>
                   <a:schemeClr val="bg1"/>
                 </a:solidFill>
+                <a:latin typeface="Segoe UI Black" panose="020B0A02040204020203" pitchFamily="34" charset="0"/>
+                <a:ea typeface="Segoe UI Black" panose="020B0A02040204020203" pitchFamily="34" charset="0"/>
               </a:defRPr>
             </a:lvl1pPr>
           </a:lstStyle>
           <a:p>
             <a:r>
-              <a:rPr lang="en-US" dirty="0" smtClean="0"/>
+              <a:rPr lang="en-US" dirty="0"/>
               <a:t>Headline here</a:t>
             </a:r>
             <a:br>
-              <a:rPr lang="en-US" dirty="0" smtClean="0"/>
+              <a:rPr lang="en-US" dirty="0"/>
             </a:br>
             <a:r>
-              <a:rPr lang="en-US" dirty="0" smtClean="0"/>
+              <a:rPr lang="en-US" dirty="0"/>
               <a:t>Content</a:t>
             </a:r>
-            <a:endParaRPr lang="en-US" dirty="0"/>
           </a:p>
         </p:txBody>
       </p:sp>
@@ -710,15 +703,16 @@
                 <a:solidFill>
                   <a:schemeClr val="bg1"/>
                 </a:solidFill>
+                <a:latin typeface="Segoe UI Black" panose="020B0A02040204020203" pitchFamily="34" charset="0"/>
+                <a:ea typeface="Segoe UI Black" panose="020B0A02040204020203" pitchFamily="34" charset="0"/>
               </a:defRPr>
             </a:lvl1pPr>
           </a:lstStyle>
           <a:p>
             <a:r>
-              <a:rPr lang="en-US" smtClean="0"/>
+              <a:rPr lang="en-US" dirty="0"/>
               <a:t>www.indruino.com</a:t>
             </a:r>
-            <a:endParaRPr lang="en-US" dirty="0"/>
           </a:p>
         </p:txBody>
       </p:sp>
@@ -749,6 +743,8 @@
                 <a:solidFill>
                   <a:schemeClr val="bg1"/>
                 </a:solidFill>
+                <a:latin typeface="Segoe UI Black" panose="020B0A02040204020203" pitchFamily="34" charset="0"/>
+                <a:ea typeface="Segoe UI Black" panose="020B0A02040204020203" pitchFamily="34" charset="0"/>
               </a:defRPr>
             </a:lvl1pPr>
             <a:lvl2pPr marL="457200" indent="0" algn="ctr">
@@ -786,16 +782,15 @@
           </a:lstStyle>
           <a:p>
             <a:r>
-              <a:rPr lang="en-US" dirty="0" smtClean="0"/>
+              <a:rPr lang="en-US" dirty="0"/>
               <a:t>Subhead here</a:t>
             </a:r>
           </a:p>
           <a:p>
             <a:r>
-              <a:rPr lang="en-US" dirty="0" smtClean="0"/>
+              <a:rPr lang="en-US" dirty="0"/>
               <a:t>Content</a:t>
             </a:r>
-            <a:endParaRPr lang="en-US" dirty="0"/>
           </a:p>
         </p:txBody>
       </p:sp>
@@ -1016,89 +1011,52 @@
           </a:lstStyle>
           <a:p>
             <a:r>
-              <a:rPr lang="en-US" dirty="0" err="1" smtClean="0">
+              <a:rPr lang="en-US" dirty="0" err="1">
                 <a:solidFill>
                   <a:schemeClr val="bg1"/>
                 </a:solidFill>
+                <a:latin typeface="Segoe UI Black" panose="020B0A02040204020203" pitchFamily="34" charset="0"/>
+                <a:ea typeface="Segoe UI Black" panose="020B0A02040204020203" pitchFamily="34" charset="0"/>
               </a:rPr>
               <a:t>Diễn</a:t>
             </a:r>
             <a:r>
-              <a:rPr lang="en-US" dirty="0" smtClean="0">
+              <a:rPr lang="en-US" dirty="0">
                 <a:solidFill>
                   <a:schemeClr val="bg1"/>
                 </a:solidFill>
+                <a:latin typeface="Segoe UI Black" panose="020B0A02040204020203" pitchFamily="34" charset="0"/>
+                <a:ea typeface="Segoe UI Black" panose="020B0A02040204020203" pitchFamily="34" charset="0"/>
               </a:rPr>
               <a:t> </a:t>
             </a:r>
             <a:r>
-              <a:rPr lang="en-US" dirty="0" err="1" smtClean="0">
+              <a:rPr lang="en-US" dirty="0" err="1">
                 <a:solidFill>
                   <a:schemeClr val="bg1"/>
                 </a:solidFill>
+                <a:latin typeface="Segoe UI Black" panose="020B0A02040204020203" pitchFamily="34" charset="0"/>
+                <a:ea typeface="Segoe UI Black" panose="020B0A02040204020203" pitchFamily="34" charset="0"/>
               </a:rPr>
               <a:t>giả</a:t>
             </a:r>
             <a:r>
-              <a:rPr lang="en-US" dirty="0" smtClean="0">
+              <a:rPr lang="en-US" dirty="0">
                 <a:solidFill>
                   <a:schemeClr val="bg1"/>
                 </a:solidFill>
+                <a:latin typeface="Segoe UI Black" panose="020B0A02040204020203" pitchFamily="34" charset="0"/>
+                <a:ea typeface="Segoe UI Black" panose="020B0A02040204020203" pitchFamily="34" charset="0"/>
               </a:rPr>
               <a:t>: </a:t>
             </a:r>
             <a:r>
-              <a:rPr lang="en-US" dirty="0" err="1" smtClean="0">
+              <a:rPr lang="en-US" dirty="0" err="1">
                 <a:solidFill>
                   <a:schemeClr val="bg1"/>
                 </a:solidFill>
-              </a:rPr>
-              <a:t>Indruino</a:t>
-            </a:r>
-            <a:endParaRPr lang="en-US" dirty="0" smtClean="0">
-              <a:solidFill>
-                <a:schemeClr val="bg1"/>
-              </a:solidFill>
-            </a:endParaRPr>
-          </a:p>
-          <a:p>
-            <a:r>
-              <a:rPr lang="en-US" dirty="0" err="1" smtClean="0">
-                <a:solidFill>
-                  <a:schemeClr val="bg1"/>
-                </a:solidFill>
-              </a:rPr>
-              <a:t>Bộ</a:t>
-            </a:r>
-            <a:r>
-              <a:rPr lang="en-US" dirty="0" smtClean="0">
-                <a:solidFill>
-                  <a:schemeClr val="bg1"/>
-                </a:solidFill>
-              </a:rPr>
-              <a:t> </a:t>
-            </a:r>
-            <a:r>
-              <a:rPr lang="en-US" dirty="0" err="1" smtClean="0">
-                <a:solidFill>
-                  <a:schemeClr val="bg1"/>
-                </a:solidFill>
-              </a:rPr>
-              <a:t>phận</a:t>
-            </a:r>
-            <a:r>
-              <a:rPr lang="en-US" dirty="0" smtClean="0">
-                <a:solidFill>
-                  <a:schemeClr val="bg1"/>
-                </a:solidFill>
-              </a:rPr>
-              <a:t>: </a:t>
-            </a:r>
-            <a:r>
-              <a:rPr lang="en-US" dirty="0" err="1" smtClean="0">
-                <a:solidFill>
-                  <a:schemeClr val="bg1"/>
-                </a:solidFill>
+                <a:latin typeface="Segoe UI Black" panose="020B0A02040204020203" pitchFamily="34" charset="0"/>
+                <a:ea typeface="Segoe UI Black" panose="020B0A02040204020203" pitchFamily="34" charset="0"/>
               </a:rPr>
               <a:t>Indruino</a:t>
             </a:r>
@@ -1106,6 +1064,67 @@
               <a:solidFill>
                 <a:schemeClr val="bg1"/>
               </a:solidFill>
+              <a:latin typeface="Segoe UI Black" panose="020B0A02040204020203" pitchFamily="34" charset="0"/>
+              <a:ea typeface="Segoe UI Black" panose="020B0A02040204020203" pitchFamily="34" charset="0"/>
+            </a:endParaRPr>
+          </a:p>
+          <a:p>
+            <a:r>
+              <a:rPr lang="en-US" dirty="0" err="1">
+                <a:solidFill>
+                  <a:schemeClr val="bg1"/>
+                </a:solidFill>
+                <a:latin typeface="Segoe UI Black" panose="020B0A02040204020203" pitchFamily="34" charset="0"/>
+                <a:ea typeface="Segoe UI Black" panose="020B0A02040204020203" pitchFamily="34" charset="0"/>
+              </a:rPr>
+              <a:t>Bộ</a:t>
+            </a:r>
+            <a:r>
+              <a:rPr lang="en-US" dirty="0">
+                <a:solidFill>
+                  <a:schemeClr val="bg1"/>
+                </a:solidFill>
+                <a:latin typeface="Segoe UI Black" panose="020B0A02040204020203" pitchFamily="34" charset="0"/>
+                <a:ea typeface="Segoe UI Black" panose="020B0A02040204020203" pitchFamily="34" charset="0"/>
+              </a:rPr>
+              <a:t> </a:t>
+            </a:r>
+            <a:r>
+              <a:rPr lang="en-US" dirty="0" err="1">
+                <a:solidFill>
+                  <a:schemeClr val="bg1"/>
+                </a:solidFill>
+                <a:latin typeface="Segoe UI Black" panose="020B0A02040204020203" pitchFamily="34" charset="0"/>
+                <a:ea typeface="Segoe UI Black" panose="020B0A02040204020203" pitchFamily="34" charset="0"/>
+              </a:rPr>
+              <a:t>phận</a:t>
+            </a:r>
+            <a:r>
+              <a:rPr lang="en-US" dirty="0">
+                <a:solidFill>
+                  <a:schemeClr val="bg1"/>
+                </a:solidFill>
+                <a:latin typeface="Segoe UI Black" panose="020B0A02040204020203" pitchFamily="34" charset="0"/>
+                <a:ea typeface="Segoe UI Black" panose="020B0A02040204020203" pitchFamily="34" charset="0"/>
+              </a:rPr>
+              <a:t>: </a:t>
+            </a:r>
+            <a:r>
+              <a:rPr lang="en-US" dirty="0" err="1">
+                <a:solidFill>
+                  <a:schemeClr val="bg1"/>
+                </a:solidFill>
+                <a:latin typeface="Segoe UI Black" panose="020B0A02040204020203" pitchFamily="34" charset="0"/>
+                <a:ea typeface="Segoe UI Black" panose="020B0A02040204020203" pitchFamily="34" charset="0"/>
+              </a:rPr>
+              <a:t>Indruino</a:t>
+            </a:r>
+            <a:endParaRPr lang="en-US" dirty="0">
+              <a:solidFill>
+                <a:schemeClr val="bg1"/>
+              </a:solidFill>
+              <a:latin typeface="Segoe UI Black" panose="020B0A02040204020203" pitchFamily="34" charset="0"/>
+              <a:ea typeface="Segoe UI Black" panose="020B0A02040204020203" pitchFamily="34" charset="0"/>
             </a:endParaRPr>
           </a:p>
         </p:txBody>
@@ -1163,13 +1182,6 @@
   <p:clrMapOvr>
     <a:masterClrMapping/>
   </p:clrMapOvr>
-  <p:timing>
-    <p:tnLst>
-      <p:par>
-        <p:cTn id="1" dur="indefinite" restart="never" nodeType="tmRoot"/>
-      </p:par>
-    </p:tnLst>
-  </p:timing>
 </p:sldLayout>
 </file>
 
@@ -1212,15 +1224,17 @@
           </a:bodyPr>
           <a:lstStyle>
             <a:lvl1pPr algn="l">
-              <a:defRPr sz="4000" baseline="0"/>
+              <a:defRPr sz="4000" baseline="0">
+                <a:latin typeface="Segoe UI Black" panose="020B0A02040204020203" pitchFamily="34" charset="0"/>
+                <a:ea typeface="Segoe UI Black" panose="020B0A02040204020203" pitchFamily="34" charset="0"/>
+              </a:defRPr>
             </a:lvl1pPr>
           </a:lstStyle>
           <a:p>
             <a:r>
-              <a:rPr lang="en-US" dirty="0" smtClean="0"/>
+              <a:rPr lang="en-US" dirty="0"/>
               <a:t>Title here</a:t>
             </a:r>
-            <a:endParaRPr lang="en-US" dirty="0"/>
           </a:p>
         </p:txBody>
       </p:sp>
@@ -1247,7 +1261,10 @@
           <a:lstStyle>
             <a:lvl1pPr marL="0" indent="0" algn="l">
               <a:buNone/>
-              <a:defRPr sz="1800" baseline="0"/>
+              <a:defRPr sz="1800" baseline="0">
+                <a:latin typeface="Segoe UI Black" panose="020B0A02040204020203" pitchFamily="34" charset="0"/>
+                <a:ea typeface="Segoe UI Black" panose="020B0A02040204020203" pitchFamily="34" charset="0"/>
+              </a:defRPr>
             </a:lvl1pPr>
             <a:lvl2pPr marL="457200" indent="0" algn="ctr">
               <a:buNone/>
@@ -1284,7 +1301,7 @@
           </a:lstStyle>
           <a:p>
             <a:r>
-              <a:rPr lang="en-US" dirty="0" smtClean="0"/>
+              <a:rPr lang="en-US" dirty="0"/>
               <a:t>Subtitle here</a:t>
             </a:r>
           </a:p>
@@ -1478,7 +1495,10 @@
           <a:lstStyle>
             <a:lvl1pPr marL="0" indent="0" algn="ctr">
               <a:buNone/>
-              <a:defRPr sz="3200"/>
+              <a:defRPr sz="3200">
+                <a:latin typeface="Segoe UI Black" panose="020B0A02040204020203" pitchFamily="34" charset="0"/>
+                <a:ea typeface="Segoe UI Black" panose="020B0A02040204020203" pitchFamily="34" charset="0"/>
+              </a:defRPr>
             </a:lvl1pPr>
             <a:lvl2pPr marL="457200" indent="0">
               <a:buNone/>
@@ -1539,7 +1559,10 @@
           <a:lstStyle>
             <a:lvl1pPr marL="0" indent="0">
               <a:buNone/>
-              <a:defRPr sz="1600" baseline="0"/>
+              <a:defRPr sz="1600" baseline="0">
+                <a:latin typeface="Segoe UI Black" panose="020B0A02040204020203" pitchFamily="34" charset="0"/>
+                <a:ea typeface="Segoe UI Black" panose="020B0A02040204020203" pitchFamily="34" charset="0"/>
+              </a:defRPr>
             </a:lvl1pPr>
             <a:lvl2pPr marL="457200" indent="0">
               <a:buNone/>
@@ -1577,7 +1600,7 @@
           <a:p>
             <a:pPr lvl="0"/>
             <a:r>
-              <a:rPr lang="en-US" dirty="0" smtClean="0"/>
+              <a:rPr lang="en-US" dirty="0"/>
               <a:t>Content Here</a:t>
             </a:r>
           </a:p>
@@ -1593,13 +1616,6 @@
   <p:clrMapOvr>
     <a:masterClrMapping/>
   </p:clrMapOvr>
-  <p:timing>
-    <p:tnLst>
-      <p:par>
-        <p:cTn id="1" dur="indefinite" restart="never" nodeType="tmRoot"/>
-      </p:par>
-    </p:tnLst>
-  </p:timing>
 </p:sldLayout>
 </file>
 
@@ -1642,15 +1658,17 @@
           </a:bodyPr>
           <a:lstStyle>
             <a:lvl1pPr algn="l">
-              <a:defRPr sz="4000" baseline="0"/>
+              <a:defRPr sz="4000" baseline="0">
+                <a:latin typeface="Segoe UI Black" panose="020B0A02040204020203" pitchFamily="34" charset="0"/>
+                <a:ea typeface="Segoe UI Black" panose="020B0A02040204020203" pitchFamily="34" charset="0"/>
+              </a:defRPr>
             </a:lvl1pPr>
           </a:lstStyle>
           <a:p>
             <a:r>
-              <a:rPr lang="en-US" dirty="0" smtClean="0"/>
+              <a:rPr lang="en-US" dirty="0"/>
               <a:t>Title here</a:t>
             </a:r>
-            <a:endParaRPr lang="en-US" dirty="0"/>
           </a:p>
         </p:txBody>
       </p:sp>
@@ -1677,7 +1695,10 @@
           <a:lstStyle>
             <a:lvl1pPr marL="0" indent="0" algn="l">
               <a:buNone/>
-              <a:defRPr sz="1800" baseline="0"/>
+              <a:defRPr sz="1800" baseline="0">
+                <a:latin typeface="Segoe UI Black" panose="020B0A02040204020203" pitchFamily="34" charset="0"/>
+                <a:ea typeface="Segoe UI Black" panose="020B0A02040204020203" pitchFamily="34" charset="0"/>
+              </a:defRPr>
             </a:lvl1pPr>
             <a:lvl2pPr marL="457200" indent="0" algn="ctr">
               <a:buNone/>
@@ -1714,7 +1735,7 @@
           </a:lstStyle>
           <a:p>
             <a:r>
-              <a:rPr lang="en-US" dirty="0" smtClean="0"/>
+              <a:rPr lang="en-US" dirty="0"/>
               <a:t>Subtitle here</a:t>
             </a:r>
           </a:p>
@@ -1908,7 +1929,10 @@
           <a:lstStyle>
             <a:lvl1pPr marL="0" indent="0">
               <a:buNone/>
-              <a:defRPr sz="1600" baseline="0"/>
+              <a:defRPr sz="1600" baseline="0">
+                <a:latin typeface="Segoe UI Black" panose="020B0A02040204020203" pitchFamily="34" charset="0"/>
+                <a:ea typeface="Segoe UI Black" panose="020B0A02040204020203" pitchFamily="34" charset="0"/>
+              </a:defRPr>
             </a:lvl1pPr>
             <a:lvl2pPr marL="457200" indent="0">
               <a:buNone/>
@@ -1946,7 +1970,7 @@
           <a:p>
             <a:pPr lvl="0"/>
             <a:r>
-              <a:rPr lang="en-US" dirty="0" smtClean="0"/>
+              <a:rPr lang="en-US" dirty="0"/>
               <a:t>Content Here</a:t>
             </a:r>
           </a:p>
@@ -1973,7 +1997,10 @@
           <a:lstStyle>
             <a:lvl1pPr marL="0" indent="0">
               <a:buNone/>
-              <a:defRPr sz="1600" baseline="0"/>
+              <a:defRPr sz="1600" baseline="0">
+                <a:latin typeface="Segoe UI Black" panose="020B0A02040204020203" pitchFamily="34" charset="0"/>
+                <a:ea typeface="Segoe UI Black" panose="020B0A02040204020203" pitchFamily="34" charset="0"/>
+              </a:defRPr>
             </a:lvl1pPr>
             <a:lvl2pPr marL="457200" indent="0">
               <a:buNone/>
@@ -2011,7 +2038,7 @@
           <a:p>
             <a:pPr lvl="0"/>
             <a:r>
-              <a:rPr lang="en-US" dirty="0" smtClean="0"/>
+              <a:rPr lang="en-US" dirty="0"/>
               <a:t>Content Here</a:t>
             </a:r>
           </a:p>
@@ -2038,7 +2065,10 @@
           <a:lstStyle>
             <a:lvl1pPr marL="0" indent="0">
               <a:buNone/>
-              <a:defRPr sz="1600" baseline="0"/>
+              <a:defRPr sz="1600" baseline="0">
+                <a:latin typeface="Segoe UI Black" panose="020B0A02040204020203" pitchFamily="34" charset="0"/>
+                <a:ea typeface="Segoe UI Black" panose="020B0A02040204020203" pitchFamily="34" charset="0"/>
+              </a:defRPr>
             </a:lvl1pPr>
             <a:lvl2pPr marL="457200" indent="0">
               <a:buNone/>
@@ -2076,7 +2106,7 @@
           <a:p>
             <a:pPr lvl="0"/>
             <a:r>
-              <a:rPr lang="en-US" dirty="0" smtClean="0"/>
+              <a:rPr lang="en-US" dirty="0"/>
               <a:t>Content Here</a:t>
             </a:r>
           </a:p>
@@ -2092,13 +2122,6 @@
   <p:clrMapOvr>
     <a:masterClrMapping/>
   </p:clrMapOvr>
-  <p:timing>
-    <p:tnLst>
-      <p:par>
-        <p:cTn id="1" dur="indefinite" restart="never" nodeType="tmRoot"/>
-      </p:par>
-    </p:tnLst>
-  </p:timing>
 </p:sldLayout>
 </file>
 
@@ -2140,7 +2163,10 @@
           <a:lstStyle>
             <a:lvl1pPr marL="0" indent="0" algn="ctr">
               <a:buNone/>
-              <a:defRPr sz="3200"/>
+              <a:defRPr sz="3200">
+                <a:latin typeface="Segoe UI Black" panose="020B0A02040204020203" pitchFamily="34" charset="0"/>
+                <a:ea typeface="Segoe UI Black" panose="020B0A02040204020203" pitchFamily="34" charset="0"/>
+              </a:defRPr>
             </a:lvl1pPr>
             <a:lvl2pPr marL="457200" indent="0">
               <a:buNone/>
@@ -2201,7 +2227,10 @@
           <a:lstStyle>
             <a:lvl1pPr marL="0" indent="0" algn="ctr">
               <a:buNone/>
-              <a:defRPr sz="3200"/>
+              <a:defRPr sz="3200">
+                <a:latin typeface="Segoe UI Black" panose="020B0A02040204020203" pitchFamily="34" charset="0"/>
+                <a:ea typeface="Segoe UI Black" panose="020B0A02040204020203" pitchFamily="34" charset="0"/>
+              </a:defRPr>
             </a:lvl1pPr>
             <a:lvl2pPr marL="457200" indent="0">
               <a:buNone/>
@@ -2263,15 +2292,17 @@
           </a:bodyPr>
           <a:lstStyle>
             <a:lvl1pPr algn="l">
-              <a:defRPr sz="4000" baseline="0"/>
+              <a:defRPr sz="4000" baseline="0">
+                <a:latin typeface="Segoe UI Black" panose="020B0A02040204020203" pitchFamily="34" charset="0"/>
+                <a:ea typeface="Segoe UI Black" panose="020B0A02040204020203" pitchFamily="34" charset="0"/>
+              </a:defRPr>
             </a:lvl1pPr>
           </a:lstStyle>
           <a:p>
             <a:r>
-              <a:rPr lang="en-US" dirty="0" smtClean="0"/>
+              <a:rPr lang="en-US" dirty="0"/>
               <a:t>Title here</a:t>
             </a:r>
-            <a:endParaRPr lang="en-US" dirty="0"/>
           </a:p>
         </p:txBody>
       </p:sp>
@@ -2298,7 +2329,10 @@
           <a:lstStyle>
             <a:lvl1pPr marL="0" indent="0" algn="l">
               <a:buNone/>
-              <a:defRPr sz="1800" baseline="0"/>
+              <a:defRPr sz="1800" baseline="0">
+                <a:latin typeface="Segoe UI Black" panose="020B0A02040204020203" pitchFamily="34" charset="0"/>
+                <a:ea typeface="Segoe UI Black" panose="020B0A02040204020203" pitchFamily="34" charset="0"/>
+              </a:defRPr>
             </a:lvl1pPr>
             <a:lvl2pPr marL="457200" indent="0" algn="ctr">
               <a:buNone/>
@@ -2335,7 +2369,7 @@
           </a:lstStyle>
           <a:p>
             <a:r>
-              <a:rPr lang="en-US" dirty="0" smtClean="0"/>
+              <a:rPr lang="en-US" dirty="0"/>
               <a:t>Subtitle here</a:t>
             </a:r>
           </a:p>
@@ -2529,7 +2563,10 @@
           <a:lstStyle>
             <a:lvl1pPr marL="0" indent="0">
               <a:buNone/>
-              <a:defRPr sz="1600" baseline="0"/>
+              <a:defRPr sz="1600" baseline="0">
+                <a:latin typeface="Segoe UI Black" panose="020B0A02040204020203" pitchFamily="34" charset="0"/>
+                <a:ea typeface="Segoe UI Black" panose="020B0A02040204020203" pitchFamily="34" charset="0"/>
+              </a:defRPr>
             </a:lvl1pPr>
             <a:lvl2pPr marL="457200" indent="0">
               <a:buNone/>
@@ -2567,7 +2604,7 @@
           <a:p>
             <a:pPr lvl="0"/>
             <a:r>
-              <a:rPr lang="en-US" dirty="0" smtClean="0"/>
+              <a:rPr lang="en-US" dirty="0"/>
               <a:t>Content Here</a:t>
             </a:r>
           </a:p>
@@ -2583,13 +2620,6 @@
   <p:clrMapOvr>
     <a:masterClrMapping/>
   </p:clrMapOvr>
-  <p:timing>
-    <p:tnLst>
-      <p:par>
-        <p:cTn id="1" dur="indefinite" restart="never" nodeType="tmRoot"/>
-      </p:par>
-    </p:tnLst>
-  </p:timing>
 </p:sldLayout>
 </file>
 
@@ -2696,15 +2726,16 @@
                 <a:solidFill>
                   <a:schemeClr val="bg1"/>
                 </a:solidFill>
+                <a:latin typeface="Segoe UI Black" panose="020B0A02040204020203" pitchFamily="34" charset="0"/>
+                <a:ea typeface="Segoe UI Black" panose="020B0A02040204020203" pitchFamily="34" charset="0"/>
               </a:defRPr>
             </a:lvl1pPr>
           </a:lstStyle>
           <a:p>
             <a:r>
-              <a:rPr lang="en-US" dirty="0" smtClean="0"/>
+              <a:rPr lang="en-US" dirty="0"/>
               <a:t>Thanks you !</a:t>
             </a:r>
-            <a:endParaRPr lang="en-US" dirty="0"/>
           </a:p>
         </p:txBody>
       </p:sp>
@@ -2732,15 +2763,16 @@
                 <a:solidFill>
                   <a:schemeClr val="bg1"/>
                 </a:solidFill>
+                <a:latin typeface="Segoe UI Black" panose="020B0A02040204020203" pitchFamily="34" charset="0"/>
+                <a:ea typeface="Segoe UI Black" panose="020B0A02040204020203" pitchFamily="34" charset="0"/>
               </a:defRPr>
             </a:lvl1pPr>
           </a:lstStyle>
           <a:p>
             <a:r>
-              <a:rPr lang="en-US" smtClean="0"/>
+              <a:rPr lang="en-US" dirty="0"/>
               <a:t>www.indruino.com</a:t>
             </a:r>
-            <a:endParaRPr lang="en-US" dirty="0"/>
           </a:p>
         </p:txBody>
       </p:sp>
@@ -2961,89 +2993,52 @@
           </a:lstStyle>
           <a:p>
             <a:r>
-              <a:rPr lang="en-US" dirty="0" err="1" smtClean="0">
+              <a:rPr lang="en-US" dirty="0" err="1">
                 <a:solidFill>
                   <a:schemeClr val="bg1"/>
                 </a:solidFill>
+                <a:latin typeface="Segoe UI Black" panose="020B0A02040204020203" pitchFamily="34" charset="0"/>
+                <a:ea typeface="Segoe UI Black" panose="020B0A02040204020203" pitchFamily="34" charset="0"/>
               </a:rPr>
               <a:t>Diễn</a:t>
             </a:r>
             <a:r>
-              <a:rPr lang="en-US" dirty="0" smtClean="0">
+              <a:rPr lang="en-US" dirty="0">
                 <a:solidFill>
                   <a:schemeClr val="bg1"/>
                 </a:solidFill>
+                <a:latin typeface="Segoe UI Black" panose="020B0A02040204020203" pitchFamily="34" charset="0"/>
+                <a:ea typeface="Segoe UI Black" panose="020B0A02040204020203" pitchFamily="34" charset="0"/>
               </a:rPr>
               <a:t> </a:t>
             </a:r>
             <a:r>
-              <a:rPr lang="en-US" dirty="0" err="1" smtClean="0">
+              <a:rPr lang="en-US" dirty="0" err="1">
                 <a:solidFill>
                   <a:schemeClr val="bg1"/>
                 </a:solidFill>
+                <a:latin typeface="Segoe UI Black" panose="020B0A02040204020203" pitchFamily="34" charset="0"/>
+                <a:ea typeface="Segoe UI Black" panose="020B0A02040204020203" pitchFamily="34" charset="0"/>
               </a:rPr>
               <a:t>giả</a:t>
             </a:r>
             <a:r>
-              <a:rPr lang="en-US" dirty="0" smtClean="0">
+              <a:rPr lang="en-US" dirty="0">
                 <a:solidFill>
                   <a:schemeClr val="bg1"/>
                 </a:solidFill>
+                <a:latin typeface="Segoe UI Black" panose="020B0A02040204020203" pitchFamily="34" charset="0"/>
+                <a:ea typeface="Segoe UI Black" panose="020B0A02040204020203" pitchFamily="34" charset="0"/>
               </a:rPr>
               <a:t>: </a:t>
             </a:r>
             <a:r>
-              <a:rPr lang="en-US" dirty="0" err="1" smtClean="0">
+              <a:rPr lang="en-US" dirty="0" err="1">
                 <a:solidFill>
                   <a:schemeClr val="bg1"/>
                 </a:solidFill>
-              </a:rPr>
-              <a:t>Indruino</a:t>
-            </a:r>
-            <a:endParaRPr lang="en-US" dirty="0" smtClean="0">
-              <a:solidFill>
-                <a:schemeClr val="bg1"/>
-              </a:solidFill>
-            </a:endParaRPr>
-          </a:p>
-          <a:p>
-            <a:r>
-              <a:rPr lang="en-US" dirty="0" err="1" smtClean="0">
-                <a:solidFill>
-                  <a:schemeClr val="bg1"/>
-                </a:solidFill>
-              </a:rPr>
-              <a:t>Bộ</a:t>
-            </a:r>
-            <a:r>
-              <a:rPr lang="en-US" dirty="0" smtClean="0">
-                <a:solidFill>
-                  <a:schemeClr val="bg1"/>
-                </a:solidFill>
-              </a:rPr>
-              <a:t> </a:t>
-            </a:r>
-            <a:r>
-              <a:rPr lang="en-US" dirty="0" err="1" smtClean="0">
-                <a:solidFill>
-                  <a:schemeClr val="bg1"/>
-                </a:solidFill>
-              </a:rPr>
-              <a:t>phận</a:t>
-            </a:r>
-            <a:r>
-              <a:rPr lang="en-US" dirty="0" smtClean="0">
-                <a:solidFill>
-                  <a:schemeClr val="bg1"/>
-                </a:solidFill>
-              </a:rPr>
-              <a:t>: </a:t>
-            </a:r>
-            <a:r>
-              <a:rPr lang="en-US" dirty="0" err="1" smtClean="0">
-                <a:solidFill>
-                  <a:schemeClr val="bg1"/>
-                </a:solidFill>
+                <a:latin typeface="Segoe UI Black" panose="020B0A02040204020203" pitchFamily="34" charset="0"/>
+                <a:ea typeface="Segoe UI Black" panose="020B0A02040204020203" pitchFamily="34" charset="0"/>
               </a:rPr>
               <a:t>Indruino</a:t>
             </a:r>
@@ -3051,6 +3046,67 @@
               <a:solidFill>
                 <a:schemeClr val="bg1"/>
               </a:solidFill>
+              <a:latin typeface="Segoe UI Black" panose="020B0A02040204020203" pitchFamily="34" charset="0"/>
+              <a:ea typeface="Segoe UI Black" panose="020B0A02040204020203" pitchFamily="34" charset="0"/>
+            </a:endParaRPr>
+          </a:p>
+          <a:p>
+            <a:r>
+              <a:rPr lang="en-US" dirty="0" err="1">
+                <a:solidFill>
+                  <a:schemeClr val="bg1"/>
+                </a:solidFill>
+                <a:latin typeface="Segoe UI Black" panose="020B0A02040204020203" pitchFamily="34" charset="0"/>
+                <a:ea typeface="Segoe UI Black" panose="020B0A02040204020203" pitchFamily="34" charset="0"/>
+              </a:rPr>
+              <a:t>Bộ</a:t>
+            </a:r>
+            <a:r>
+              <a:rPr lang="en-US" dirty="0">
+                <a:solidFill>
+                  <a:schemeClr val="bg1"/>
+                </a:solidFill>
+                <a:latin typeface="Segoe UI Black" panose="020B0A02040204020203" pitchFamily="34" charset="0"/>
+                <a:ea typeface="Segoe UI Black" panose="020B0A02040204020203" pitchFamily="34" charset="0"/>
+              </a:rPr>
+              <a:t> </a:t>
+            </a:r>
+            <a:r>
+              <a:rPr lang="en-US" dirty="0" err="1">
+                <a:solidFill>
+                  <a:schemeClr val="bg1"/>
+                </a:solidFill>
+                <a:latin typeface="Segoe UI Black" panose="020B0A02040204020203" pitchFamily="34" charset="0"/>
+                <a:ea typeface="Segoe UI Black" panose="020B0A02040204020203" pitchFamily="34" charset="0"/>
+              </a:rPr>
+              <a:t>phận</a:t>
+            </a:r>
+            <a:r>
+              <a:rPr lang="en-US" dirty="0">
+                <a:solidFill>
+                  <a:schemeClr val="bg1"/>
+                </a:solidFill>
+                <a:latin typeface="Segoe UI Black" panose="020B0A02040204020203" pitchFamily="34" charset="0"/>
+                <a:ea typeface="Segoe UI Black" panose="020B0A02040204020203" pitchFamily="34" charset="0"/>
+              </a:rPr>
+              <a:t>: </a:t>
+            </a:r>
+            <a:r>
+              <a:rPr lang="en-US" dirty="0" err="1">
+                <a:solidFill>
+                  <a:schemeClr val="bg1"/>
+                </a:solidFill>
+                <a:latin typeface="Segoe UI Black" panose="020B0A02040204020203" pitchFamily="34" charset="0"/>
+                <a:ea typeface="Segoe UI Black" panose="020B0A02040204020203" pitchFamily="34" charset="0"/>
+              </a:rPr>
+              <a:t>Indruino</a:t>
+            </a:r>
+            <a:endParaRPr lang="en-US" dirty="0">
+              <a:solidFill>
+                <a:schemeClr val="bg1"/>
+              </a:solidFill>
+              <a:latin typeface="Segoe UI Black" panose="020B0A02040204020203" pitchFamily="34" charset="0"/>
+              <a:ea typeface="Segoe UI Black" panose="020B0A02040204020203" pitchFamily="34" charset="0"/>
             </a:endParaRPr>
           </a:p>
         </p:txBody>
@@ -3108,13 +3164,6 @@
   <p:clrMapOvr>
     <a:masterClrMapping/>
   </p:clrMapOvr>
-  <p:timing>
-    <p:tnLst>
-      <p:par>
-        <p:cTn id="1" dur="indefinite" restart="never" nodeType="tmRoot"/>
-      </p:par>
-    </p:tnLst>
-  </p:timing>
 </p:sldLayout>
 </file>
 
@@ -3169,10 +3218,9 @@
           <a:lstStyle/>
           <a:p>
             <a:r>
-              <a:rPr lang="en-US" smtClean="0"/>
+              <a:rPr lang="en-US" dirty="0"/>
               <a:t>Click to edit Master title style</a:t>
             </a:r>
-            <a:endParaRPr lang="en-US"/>
           </a:p>
         </p:txBody>
       </p:sp>
@@ -3203,38 +3251,37 @@
           <a:p>
             <a:pPr lvl="0"/>
             <a:r>
-              <a:rPr lang="en-US" smtClean="0"/>
+              <a:rPr lang="en-US" dirty="0"/>
               <a:t>Edit Master text styles</a:t>
             </a:r>
           </a:p>
           <a:p>
             <a:pPr lvl="1"/>
             <a:r>
-              <a:rPr lang="en-US" smtClean="0"/>
+              <a:rPr lang="en-US" dirty="0"/>
               <a:t>Second level</a:t>
             </a:r>
           </a:p>
           <a:p>
             <a:pPr lvl="2"/>
             <a:r>
-              <a:rPr lang="en-US" smtClean="0"/>
+              <a:rPr lang="en-US" dirty="0"/>
               <a:t>Third level</a:t>
             </a:r>
           </a:p>
           <a:p>
             <a:pPr lvl="3"/>
             <a:r>
-              <a:rPr lang="en-US" smtClean="0"/>
+              <a:rPr lang="en-US" dirty="0"/>
               <a:t>Fourth level</a:t>
             </a:r>
           </a:p>
           <a:p>
             <a:pPr lvl="4"/>
             <a:r>
-              <a:rPr lang="en-US" smtClean="0"/>
+              <a:rPr lang="en-US" dirty="0"/>
               <a:t>Fifth level</a:t>
             </a:r>
-            <a:endParaRPr lang="en-US"/>
           </a:p>
         </p:txBody>
       </p:sp>
@@ -3267,18 +3314,19 @@
                     <a:tint val="75000"/>
                   </a:schemeClr>
                 </a:solidFill>
-                <a:latin typeface="Roboto" panose="02000000000000000000" pitchFamily="2" charset="0"/>
-                <a:ea typeface="Roboto" panose="02000000000000000000" pitchFamily="2" charset="0"/>
-                <a:cs typeface="Roboto" panose="02000000000000000000" pitchFamily="2" charset="0"/>
+                <a:latin typeface="Segoe UI Black" panose="020B0A02040204020203" pitchFamily="34" charset="0"/>
+                <a:ea typeface="Segoe UI Black" panose="020B0A02040204020203" pitchFamily="34" charset="0"/>
+                <a:cs typeface="Segoe UI Black" panose="020B0A02040204020203" pitchFamily="34" charset="0"/>
               </a:defRPr>
             </a:lvl1pPr>
           </a:lstStyle>
           <a:p>
             <a:fld id="{6D9FEF56-C5D4-4D87-B961-211842A8ECEA}" type="datetime1">
               <a:rPr lang="en-US" smtClean="0"/>
-              <a:t>7/31/2020</a:t>
+              <a:pPr/>
+              <a:t>8/23/2020</a:t>
             </a:fld>
-            <a:endParaRPr lang="en-US"/>
+            <a:endParaRPr lang="en-US" dirty="0"/>
           </a:p>
         </p:txBody>
       </p:sp>
@@ -3311,18 +3359,17 @@
                     <a:tint val="75000"/>
                   </a:schemeClr>
                 </a:solidFill>
-                <a:latin typeface="Roboto" panose="02000000000000000000" pitchFamily="2" charset="0"/>
-                <a:ea typeface="Roboto" panose="02000000000000000000" pitchFamily="2" charset="0"/>
-                <a:cs typeface="Roboto" panose="02000000000000000000" pitchFamily="2" charset="0"/>
+                <a:latin typeface="Segoe UI Black" panose="020B0A02040204020203" pitchFamily="34" charset="0"/>
+                <a:ea typeface="Segoe UI Black" panose="020B0A02040204020203" pitchFamily="34" charset="0"/>
+                <a:cs typeface="Segoe UI Black" panose="020B0A02040204020203" pitchFamily="34" charset="0"/>
               </a:defRPr>
             </a:lvl1pPr>
           </a:lstStyle>
           <a:p>
             <a:r>
-              <a:rPr lang="en-US" smtClean="0"/>
+              <a:rPr lang="en-US" dirty="0"/>
               <a:t>www.indruino.com</a:t>
             </a:r>
-            <a:endParaRPr lang="en-US" dirty="0"/>
           </a:p>
         </p:txBody>
       </p:sp>
@@ -3355,9 +3402,9 @@
                     <a:tint val="75000"/>
                   </a:schemeClr>
                 </a:solidFill>
-                <a:latin typeface="Roboto" panose="02000000000000000000" pitchFamily="2" charset="0"/>
-                <a:ea typeface="Roboto" panose="02000000000000000000" pitchFamily="2" charset="0"/>
-                <a:cs typeface="Roboto" panose="02000000000000000000" pitchFamily="2" charset="0"/>
+                <a:latin typeface="Segoe UI Black" panose="020B0A02040204020203" pitchFamily="34" charset="0"/>
+                <a:ea typeface="Segoe UI Black" panose="020B0A02040204020203" pitchFamily="34" charset="0"/>
+                <a:cs typeface="Segoe UI Black" panose="020B0A02040204020203" pitchFamily="34" charset="0"/>
               </a:defRPr>
             </a:lvl1pPr>
           </a:lstStyle>
@@ -3367,7 +3414,7 @@
               <a:pPr/>
               <a:t>‹#›</a:t>
             </a:fld>
-            <a:endParaRPr lang="en-US"/>
+            <a:endParaRPr lang="en-US" dirty="0"/>
           </a:p>
         </p:txBody>
       </p:sp>
@@ -3387,13 +3434,6 @@
     <p:sldLayoutId id="2147483680" r:id="rId5"/>
     <p:sldLayoutId id="2147483663" r:id="rId6"/>
   </p:sldLayoutIdLst>
-  <p:timing>
-    <p:tnLst>
-      <p:par>
-        <p:cTn id="1" dur="indefinite" restart="never" nodeType="tmRoot"/>
-      </p:par>
-    </p:tnLst>
-  </p:timing>
   <p:hf sldNum="0" hdr="0" dt="0"/>
   <p:txStyles>
     <p:titleStyle>
@@ -3409,9 +3449,9 @@
           <a:solidFill>
             <a:schemeClr val="tx1"/>
           </a:solidFill>
-          <a:latin typeface="Roboto" panose="02000000000000000000" pitchFamily="2" charset="0"/>
-          <a:ea typeface="Roboto" panose="02000000000000000000" pitchFamily="2" charset="0"/>
-          <a:cs typeface="Roboto" panose="02000000000000000000" pitchFamily="2" charset="0"/>
+          <a:latin typeface="Segoe UI Black" panose="020B0A02040204020203" pitchFamily="34" charset="0"/>
+          <a:ea typeface="Segoe UI Black" panose="020B0A02040204020203" pitchFamily="34" charset="0"/>
+          <a:cs typeface="Segoe UI Black" panose="020B0A02040204020203" pitchFamily="34" charset="0"/>
         </a:defRPr>
       </a:lvl1pPr>
     </p:titleStyle>
@@ -3429,9 +3469,9 @@
           <a:solidFill>
             <a:schemeClr val="tx1"/>
           </a:solidFill>
-          <a:latin typeface="Roboto" panose="02000000000000000000" pitchFamily="2" charset="0"/>
-          <a:ea typeface="Roboto" panose="02000000000000000000" pitchFamily="2" charset="0"/>
-          <a:cs typeface="Roboto" panose="02000000000000000000" pitchFamily="2" charset="0"/>
+          <a:latin typeface="Segoe UI Black" panose="020B0A02040204020203" pitchFamily="34" charset="0"/>
+          <a:ea typeface="Segoe UI Black" panose="020B0A02040204020203" pitchFamily="34" charset="0"/>
+          <a:cs typeface="Segoe UI Black" panose="020B0A02040204020203" pitchFamily="34" charset="0"/>
         </a:defRPr>
       </a:lvl1pPr>
       <a:lvl2pPr marL="685800" indent="-228600" algn="l" defTabSz="914400" rtl="0" eaLnBrk="1" latinLnBrk="0" hangingPunct="1">
@@ -3447,9 +3487,9 @@
           <a:solidFill>
             <a:schemeClr val="tx1"/>
           </a:solidFill>
-          <a:latin typeface="Roboto" panose="02000000000000000000" pitchFamily="2" charset="0"/>
-          <a:ea typeface="Roboto" panose="02000000000000000000" pitchFamily="2" charset="0"/>
-          <a:cs typeface="Roboto" panose="02000000000000000000" pitchFamily="2" charset="0"/>
+          <a:latin typeface="Segoe UI Black" panose="020B0A02040204020203" pitchFamily="34" charset="0"/>
+          <a:ea typeface="Segoe UI Black" panose="020B0A02040204020203" pitchFamily="34" charset="0"/>
+          <a:cs typeface="Segoe UI Black" panose="020B0A02040204020203" pitchFamily="34" charset="0"/>
         </a:defRPr>
       </a:lvl2pPr>
       <a:lvl3pPr marL="1143000" indent="-228600" algn="l" defTabSz="914400" rtl="0" eaLnBrk="1" latinLnBrk="0" hangingPunct="1">
@@ -3465,9 +3505,9 @@
           <a:solidFill>
             <a:schemeClr val="tx1"/>
           </a:solidFill>
-          <a:latin typeface="Roboto" panose="02000000000000000000" pitchFamily="2" charset="0"/>
-          <a:ea typeface="Roboto" panose="02000000000000000000" pitchFamily="2" charset="0"/>
-          <a:cs typeface="Roboto" panose="02000000000000000000" pitchFamily="2" charset="0"/>
+          <a:latin typeface="Segoe UI Black" panose="020B0A02040204020203" pitchFamily="34" charset="0"/>
+          <a:ea typeface="Segoe UI Black" panose="020B0A02040204020203" pitchFamily="34" charset="0"/>
+          <a:cs typeface="Segoe UI Black" panose="020B0A02040204020203" pitchFamily="34" charset="0"/>
         </a:defRPr>
       </a:lvl3pPr>
       <a:lvl4pPr marL="1600200" indent="-228600" algn="l" defTabSz="914400" rtl="0" eaLnBrk="1" latinLnBrk="0" hangingPunct="1">
@@ -3483,9 +3523,9 @@
           <a:solidFill>
             <a:schemeClr val="tx1"/>
           </a:solidFill>
-          <a:latin typeface="Roboto" panose="02000000000000000000" pitchFamily="2" charset="0"/>
-          <a:ea typeface="Roboto" panose="02000000000000000000" pitchFamily="2" charset="0"/>
-          <a:cs typeface="Roboto" panose="02000000000000000000" pitchFamily="2" charset="0"/>
+          <a:latin typeface="Segoe UI Black" panose="020B0A02040204020203" pitchFamily="34" charset="0"/>
+          <a:ea typeface="Segoe UI Black" panose="020B0A02040204020203" pitchFamily="34" charset="0"/>
+          <a:cs typeface="Segoe UI Black" panose="020B0A02040204020203" pitchFamily="34" charset="0"/>
         </a:defRPr>
       </a:lvl4pPr>
       <a:lvl5pPr marL="2057400" indent="-228600" algn="l" defTabSz="914400" rtl="0" eaLnBrk="1" latinLnBrk="0" hangingPunct="1">
@@ -3501,9 +3541,9 @@
           <a:solidFill>
             <a:schemeClr val="tx1"/>
           </a:solidFill>
-          <a:latin typeface="Roboto" panose="02000000000000000000" pitchFamily="2" charset="0"/>
-          <a:ea typeface="Roboto" panose="02000000000000000000" pitchFamily="2" charset="0"/>
-          <a:cs typeface="Roboto" panose="02000000000000000000" pitchFamily="2" charset="0"/>
+          <a:latin typeface="Segoe UI Black" panose="020B0A02040204020203" pitchFamily="34" charset="0"/>
+          <a:ea typeface="Segoe UI Black" panose="020B0A02040204020203" pitchFamily="34" charset="0"/>
+          <a:cs typeface="Segoe UI Black" panose="020B0A02040204020203" pitchFamily="34" charset="0"/>
         </a:defRPr>
       </a:lvl5pPr>
       <a:lvl6pPr marL="2514600" indent="-228600" algn="l" defTabSz="914400" rtl="0" eaLnBrk="1" latinLnBrk="0" hangingPunct="1">
@@ -3705,13 +3745,6 @@
   <p:clrMapOvr>
     <a:masterClrMapping/>
   </p:clrMapOvr>
-  <p:timing>
-    <p:tnLst>
-      <p:par>
-        <p:cTn id="1" dur="indefinite" restart="never" nodeType="tmRoot"/>
-      </p:par>
-    </p:tnLst>
-  </p:timing>
 </p:sld>
 </file>
 
@@ -3748,10 +3781,9 @@
           <a:lstStyle/>
           <a:p>
             <a:r>
-              <a:rPr lang="en-US" smtClean="0"/>
+              <a:rPr lang="en-US" sz="3000" dirty="0"/>
               <a:t>MQTT &amp; JSON</a:t>
             </a:r>
-            <a:endParaRPr lang="en-US"/>
           </a:p>
         </p:txBody>
       </p:sp>
@@ -3773,10 +3805,21 @@
           <a:lstStyle/>
           <a:p>
             <a:r>
-              <a:rPr lang="en-US" smtClean="0"/>
-              <a:t>Điều khiển led</a:t>
-            </a:r>
-            <a:endParaRPr lang="en-US"/>
+              <a:rPr lang="en-US" dirty="0" err="1"/>
+              <a:t>Điều</a:t>
+            </a:r>
+            <a:r>
+              <a:rPr lang="en-US" dirty="0"/>
+              <a:t> </a:t>
+            </a:r>
+            <a:r>
+              <a:rPr lang="en-US" dirty="0" err="1"/>
+              <a:t>khiển</a:t>
+            </a:r>
+            <a:r>
+              <a:rPr lang="en-US" dirty="0"/>
+              <a:t> led</a:t>
+            </a:r>
           </a:p>
         </p:txBody>
       </p:sp>
@@ -3825,13 +3868,6 @@
   <p:clrMapOvr>
     <a:masterClrMapping/>
   </p:clrMapOvr>
-  <p:timing>
-    <p:tnLst>
-      <p:par>
-        <p:cTn id="1" dur="indefinite" restart="never" nodeType="tmRoot"/>
-      </p:par>
-    </p:tnLst>
-  </p:timing>
 </p:sld>
 </file>
 
@@ -3867,7 +3903,7 @@
           <a:bodyPr/>
           <a:lstStyle/>
           <a:p>
-            <a:endParaRPr lang="en-US"/>
+            <a:endParaRPr lang="en-US" dirty="0"/>
           </a:p>
         </p:txBody>
       </p:sp>
@@ -3887,10 +3923,9 @@
           <a:lstStyle/>
           <a:p>
             <a:r>
-              <a:rPr lang="en-US" smtClean="0"/>
+              <a:rPr lang="en-US" dirty="0"/>
               <a:t>www.indruino.com</a:t>
             </a:r>
-            <a:endParaRPr lang="en-US" dirty="0"/>
           </a:p>
         </p:txBody>
       </p:sp>
@@ -3904,13 +3939,6 @@
   <p:clrMapOvr>
     <a:masterClrMapping/>
   </p:clrMapOvr>
-  <p:timing>
-    <p:tnLst>
-      <p:par>
-        <p:cTn id="1" dur="indefinite" restart="never" nodeType="tmRoot"/>
-      </p:par>
-    </p:tnLst>
-  </p:timing>
 </p:sld>
 </file>
 
@@ -3947,10 +3975,9 @@
           <a:lstStyle/>
           <a:p>
             <a:r>
-              <a:rPr lang="en-US" smtClean="0"/>
+              <a:rPr lang="en-US" sz="4800" dirty="0"/>
               <a:t>MQTT</a:t>
             </a:r>
-            <a:endParaRPr lang="en-US"/>
           </a:p>
         </p:txBody>
       </p:sp>
@@ -3970,10 +3997,9 @@
           <a:lstStyle/>
           <a:p>
             <a:r>
-              <a:rPr lang="en-US" smtClean="0"/>
+              <a:rPr lang="en-US" dirty="0"/>
               <a:t>www.indruino.com</a:t>
             </a:r>
-            <a:endParaRPr lang="en-US" dirty="0"/>
           </a:p>
         </p:txBody>
       </p:sp>
@@ -3990,28 +4016,113 @@
         <p:spPr/>
         <p:txBody>
           <a:bodyPr>
-            <a:normAutofit fontScale="77500" lnSpcReduction="20000"/>
+            <a:normAutofit fontScale="70000" lnSpcReduction="20000"/>
           </a:bodyPr>
           <a:lstStyle/>
           <a:p>
             <a:pPr marL="2960688" algn="l"/>
             <a:r>
-              <a:rPr lang="en-US" smtClean="0"/>
-              <a:t>- Khái niệm</a:t>
-            </a:r>
+              <a:rPr lang="en-US" dirty="0"/>
+              <a:t>- </a:t>
+            </a:r>
+            <a:r>
+              <a:rPr lang="en-US" dirty="0" err="1"/>
+              <a:t>Khái</a:t>
+            </a:r>
+            <a:r>
+              <a:rPr lang="en-US" dirty="0"/>
+              <a:t> </a:t>
+            </a:r>
+            <a:r>
+              <a:rPr lang="en-US" dirty="0" err="1"/>
+              <a:t>niệm</a:t>
+            </a:r>
+            <a:endParaRPr lang="en-US" dirty="0"/>
           </a:p>
           <a:p>
             <a:pPr marL="2960688" algn="l"/>
             <a:r>
-              <a:rPr lang="en-US" smtClean="0"/>
-              <a:t>- Thư viện hỗ trợ, các hàm xử lý.</a:t>
+              <a:rPr lang="en-US" dirty="0"/>
+              <a:t>- </a:t>
+            </a:r>
+            <a:r>
+              <a:rPr lang="en-US" dirty="0" err="1"/>
+              <a:t>Thư</a:t>
+            </a:r>
+            <a:r>
+              <a:rPr lang="en-US" dirty="0"/>
+              <a:t> </a:t>
+            </a:r>
+            <a:r>
+              <a:rPr lang="en-US" dirty="0" err="1"/>
+              <a:t>viện</a:t>
+            </a:r>
+            <a:r>
+              <a:rPr lang="en-US" dirty="0"/>
+              <a:t> </a:t>
+            </a:r>
+            <a:r>
+              <a:rPr lang="en-US" dirty="0" err="1"/>
+              <a:t>hỗ</a:t>
+            </a:r>
+            <a:r>
+              <a:rPr lang="en-US" dirty="0"/>
+              <a:t> </a:t>
+            </a:r>
+            <a:r>
+              <a:rPr lang="en-US" dirty="0" err="1"/>
+              <a:t>trợ</a:t>
+            </a:r>
+            <a:r>
+              <a:rPr lang="en-US" dirty="0"/>
+              <a:t>, </a:t>
+            </a:r>
+            <a:r>
+              <a:rPr lang="en-US" dirty="0" err="1"/>
+              <a:t>các</a:t>
+            </a:r>
+            <a:r>
+              <a:rPr lang="en-US" dirty="0"/>
+              <a:t> </a:t>
+            </a:r>
+            <a:r>
+              <a:rPr lang="en-US" dirty="0" err="1"/>
+              <a:t>hàm</a:t>
+            </a:r>
+            <a:r>
+              <a:rPr lang="en-US" dirty="0"/>
+              <a:t> </a:t>
+            </a:r>
+            <a:r>
+              <a:rPr lang="en-US" dirty="0" err="1"/>
+              <a:t>xử</a:t>
+            </a:r>
+            <a:r>
+              <a:rPr lang="en-US" dirty="0"/>
+              <a:t> </a:t>
+            </a:r>
+            <a:r>
+              <a:rPr lang="en-US" dirty="0" err="1"/>
+              <a:t>lý</a:t>
+            </a:r>
+            <a:r>
+              <a:rPr lang="en-US" dirty="0"/>
+              <a:t>.</a:t>
             </a:r>
           </a:p>
           <a:p>
             <a:pPr marL="2960688" algn="l"/>
             <a:r>
-              <a:rPr lang="en-US" smtClean="0"/>
-              <a:t>- Mqtt + Json</a:t>
+              <a:rPr lang="en-US" dirty="0"/>
+              <a:t>- </a:t>
+            </a:r>
+            <a:r>
+              <a:rPr lang="en-US" dirty="0" err="1"/>
+              <a:t>Mqtt</a:t>
+            </a:r>
+            <a:r>
+              <a:rPr lang="en-US" dirty="0"/>
+              <a:t> + Json</a:t>
             </a:r>
           </a:p>
         </p:txBody>
@@ -4026,13 +4137,6 @@
   <p:clrMapOvr>
     <a:masterClrMapping/>
   </p:clrMapOvr>
-  <p:timing>
-    <p:tnLst>
-      <p:par>
-        <p:cTn id="1" dur="indefinite" restart="never" nodeType="tmRoot"/>
-      </p:par>
-    </p:tnLst>
-  </p:timing>
 </p:sld>
 </file>
 
@@ -4069,10 +4173,18 @@
           <a:lstStyle/>
           <a:p>
             <a:r>
-              <a:rPr lang="en-US" smtClean="0"/>
-              <a:t>Khái niệm</a:t>
-            </a:r>
-            <a:endParaRPr lang="en-US"/>
+              <a:rPr lang="en-US" sz="3000" dirty="0" err="1"/>
+              <a:t>Khái</a:t>
+            </a:r>
+            <a:r>
+              <a:rPr lang="en-US" sz="3000" dirty="0"/>
+              <a:t> </a:t>
+            </a:r>
+            <a:r>
+              <a:rPr lang="en-US" sz="3000" dirty="0" err="1"/>
+              <a:t>niệm</a:t>
+            </a:r>
+            <a:endParaRPr lang="en-US" sz="3000" dirty="0"/>
           </a:p>
         </p:txBody>
       </p:sp>
@@ -4099,41 +4211,30 @@
           <a:lstStyle/>
           <a:p>
             <a:r>
-              <a:rPr lang="en-US" smtClean="0"/>
-              <a:t>1. Khái quát chung</a:t>
-            </a:r>
-            <a:endParaRPr lang="en-US"/>
-          </a:p>
-        </p:txBody>
-      </p:sp>
-      <p:sp>
-        <p:nvSpPr>
-          <p:cNvPr id="4" name="Picture Placeholder 3"/>
-          <p:cNvSpPr>
-            <a:spLocks noGrp="1"/>
-          </p:cNvSpPr>
-          <p:nvPr>
-            <p:ph type="pic" idx="12"/>
-          </p:nvPr>
-        </p:nvSpPr>
-        <p:spPr/>
-      </p:sp>
-      <p:sp>
-        <p:nvSpPr>
-          <p:cNvPr id="5" name="Text Placeholder 4"/>
-          <p:cNvSpPr>
-            <a:spLocks noGrp="1"/>
-          </p:cNvSpPr>
-          <p:nvPr>
-            <p:ph type="body" sz="half" idx="2"/>
-          </p:nvPr>
-        </p:nvSpPr>
-        <p:spPr/>
-        <p:txBody>
-          <a:bodyPr/>
-          <a:lstStyle/>
-          <a:p>
-            <a:endParaRPr lang="en-US"/>
+              <a:rPr lang="en-US" dirty="0"/>
+              <a:t>1. </a:t>
+            </a:r>
+            <a:r>
+              <a:rPr lang="en-US" dirty="0" err="1"/>
+              <a:t>Khái</a:t>
+            </a:r>
+            <a:r>
+              <a:rPr lang="en-US" dirty="0"/>
+              <a:t> </a:t>
+            </a:r>
+            <a:r>
+              <a:rPr lang="en-US" dirty="0" err="1"/>
+              <a:t>quát</a:t>
+            </a:r>
+            <a:r>
+              <a:rPr lang="en-US" dirty="0"/>
+              <a:t> </a:t>
+            </a:r>
+            <a:r>
+              <a:rPr lang="en-US" dirty="0" err="1"/>
+              <a:t>chung</a:t>
+            </a:r>
+            <a:endParaRPr lang="en-US" dirty="0"/>
           </a:p>
         </p:txBody>
       </p:sp>
@@ -4375,14 +4476,12 @@
           </a:lstStyle>
           <a:p>
             <a:r>
-              <a:rPr lang="en-US"/>
-              <a:t>a</a:t>
-            </a:r>
-            <a:r>
-              <a:rPr lang="en-US" smtClean="0"/>
-              <a:t>. Pub, sub, broker</a:t>
-            </a:r>
-            <a:endParaRPr lang="en-US"/>
+              <a:rPr lang="en-US" dirty="0">
+                <a:latin typeface="Segoe UI Black" panose="020B0A02040204020203" pitchFamily="34" charset="0"/>
+                <a:ea typeface="Segoe UI Black" panose="020B0A02040204020203" pitchFamily="34" charset="0"/>
+              </a:rPr>
+              <a:t>a. Pub, sub, broker</a:t>
+            </a:r>
           </a:p>
         </p:txBody>
       </p:sp>
@@ -4396,13 +4495,6 @@
   <p:clrMapOvr>
     <a:masterClrMapping/>
   </p:clrMapOvr>
-  <p:timing>
-    <p:tnLst>
-      <p:par>
-        <p:cTn id="1" dur="indefinite" restart="never" nodeType="tmRoot"/>
-      </p:par>
-    </p:tnLst>
-  </p:timing>
 </p:sld>
 </file>
 
@@ -4439,10 +4531,18 @@
           <a:lstStyle/>
           <a:p>
             <a:r>
-              <a:rPr lang="en-US" smtClean="0"/>
-              <a:t>Khái niệm</a:t>
-            </a:r>
-            <a:endParaRPr lang="en-US"/>
+              <a:rPr lang="en-US" sz="3000" dirty="0" err="1"/>
+              <a:t>Khái</a:t>
+            </a:r>
+            <a:r>
+              <a:rPr lang="en-US" sz="3000" dirty="0"/>
+              <a:t> </a:t>
+            </a:r>
+            <a:r>
+              <a:rPr lang="en-US" sz="3000" dirty="0" err="1"/>
+              <a:t>niệm</a:t>
+            </a:r>
+            <a:endParaRPr lang="en-US" sz="3000" dirty="0"/>
           </a:p>
         </p:txBody>
       </p:sp>
@@ -4469,10 +4569,30 @@
           <a:lstStyle/>
           <a:p>
             <a:r>
-              <a:rPr lang="en-US" smtClean="0"/>
-              <a:t>1. Khái quát chung</a:t>
-            </a:r>
-            <a:endParaRPr lang="en-US"/>
+              <a:rPr lang="en-US" dirty="0"/>
+              <a:t>1. </a:t>
+            </a:r>
+            <a:r>
+              <a:rPr lang="en-US" dirty="0" err="1"/>
+              <a:t>Khái</a:t>
+            </a:r>
+            <a:r>
+              <a:rPr lang="en-US" dirty="0"/>
+              <a:t> </a:t>
+            </a:r>
+            <a:r>
+              <a:rPr lang="en-US" dirty="0" err="1"/>
+              <a:t>quát</a:t>
+            </a:r>
+            <a:r>
+              <a:rPr lang="en-US" dirty="0"/>
+              <a:t> </a:t>
+            </a:r>
+            <a:r>
+              <a:rPr lang="en-US" dirty="0" err="1"/>
+              <a:t>chung</a:t>
+            </a:r>
+            <a:endParaRPr lang="en-US" dirty="0"/>
           </a:p>
         </p:txBody>
       </p:sp>
@@ -4497,10 +4617,13 @@
           <a:lstStyle/>
           <a:p>
             <a:r>
-              <a:rPr lang="en-US" smtClean="0"/>
-              <a:t>Qos (Qualities of service):</a:t>
-            </a:r>
-            <a:endParaRPr lang="en-US"/>
+              <a:rPr lang="en-US" dirty="0" err="1"/>
+              <a:t>Qos</a:t>
+            </a:r>
+            <a:r>
+              <a:rPr lang="en-US" dirty="0"/>
+              <a:t> (Qualities of service):</a:t>
+            </a:r>
           </a:p>
           <a:p>
             <a:pPr marL="550863" indent="-285750">
@@ -4508,8 +4631,40 @@
               <a:buChar char="-"/>
             </a:pPr>
             <a:r>
-              <a:rPr lang="en-US" smtClean="0"/>
-              <a:t>Qos0: Gửi 1 lần rồi thôi.</a:t>
+              <a:rPr lang="en-US" dirty="0"/>
+              <a:t>Qos0: </a:t>
+            </a:r>
+            <a:r>
+              <a:rPr lang="en-US" dirty="0" err="1"/>
+              <a:t>Gửi</a:t>
+            </a:r>
+            <a:r>
+              <a:rPr lang="en-US" dirty="0"/>
+              <a:t> 1 </a:t>
+            </a:r>
+            <a:r>
+              <a:rPr lang="en-US" dirty="0" err="1"/>
+              <a:t>lần</a:t>
+            </a:r>
+            <a:r>
+              <a:rPr lang="en-US" dirty="0"/>
+              <a:t> </a:t>
+            </a:r>
+            <a:r>
+              <a:rPr lang="en-US" dirty="0" err="1"/>
+              <a:t>rồi</a:t>
+            </a:r>
+            <a:r>
+              <a:rPr lang="en-US" dirty="0"/>
+              <a:t> </a:t>
+            </a:r>
+            <a:r>
+              <a:rPr lang="en-US" dirty="0" err="1"/>
+              <a:t>thôi</a:t>
+            </a:r>
+            <a:r>
+              <a:rPr lang="en-US" dirty="0"/>
+              <a:t>.</a:t>
             </a:r>
           </a:p>
           <a:p>
@@ -4518,8 +4673,72 @@
               <a:buChar char="-"/>
             </a:pPr>
             <a:r>
-              <a:rPr lang="en-US" smtClean="0"/>
-              <a:t>Qos1: Gửi tới khi nào nhận được phản hồi.</a:t>
+              <a:rPr lang="en-US" dirty="0"/>
+              <a:t>Qos1: </a:t>
+            </a:r>
+            <a:r>
+              <a:rPr lang="en-US" dirty="0" err="1"/>
+              <a:t>Gửi</a:t>
+            </a:r>
+            <a:r>
+              <a:rPr lang="en-US" dirty="0"/>
+              <a:t> </a:t>
+            </a:r>
+            <a:r>
+              <a:rPr lang="en-US" dirty="0" err="1"/>
+              <a:t>tới</a:t>
+            </a:r>
+            <a:r>
+              <a:rPr lang="en-US" dirty="0"/>
+              <a:t> </a:t>
+            </a:r>
+            <a:r>
+              <a:rPr lang="en-US" dirty="0" err="1"/>
+              <a:t>khi</a:t>
+            </a:r>
+            <a:r>
+              <a:rPr lang="en-US" dirty="0"/>
+              <a:t> </a:t>
+            </a:r>
+            <a:r>
+              <a:rPr lang="en-US" dirty="0" err="1"/>
+              <a:t>nào</a:t>
+            </a:r>
+            <a:r>
+              <a:rPr lang="en-US" dirty="0"/>
+              <a:t> </a:t>
+            </a:r>
+            <a:r>
+              <a:rPr lang="en-US" dirty="0" err="1"/>
+              <a:t>nhận</a:t>
+            </a:r>
+            <a:r>
+              <a:rPr lang="en-US" dirty="0"/>
+              <a:t> </a:t>
+            </a:r>
+            <a:r>
+              <a:rPr lang="en-US" dirty="0" err="1"/>
+              <a:t>được</a:t>
+            </a:r>
+            <a:r>
+              <a:rPr lang="en-US" dirty="0"/>
+              <a:t> </a:t>
+            </a:r>
+            <a:r>
+              <a:rPr lang="en-US" dirty="0" err="1"/>
+              <a:t>phản</a:t>
+            </a:r>
+            <a:r>
+              <a:rPr lang="en-US" dirty="0"/>
+              <a:t> </a:t>
+            </a:r>
+            <a:r>
+              <a:rPr lang="en-US" dirty="0" err="1"/>
+              <a:t>hồi</a:t>
+            </a:r>
+            <a:r>
+              <a:rPr lang="en-US" dirty="0"/>
+              <a:t>.</a:t>
             </a:r>
           </a:p>
           <a:p>
@@ -4528,13 +4747,61 @@
               <a:buChar char="-"/>
             </a:pPr>
             <a:r>
-              <a:rPr lang="en-US" smtClean="0"/>
-              <a:t>Qos2: Gửi xong và chờ phản hồi.</a:t>
-            </a:r>
-          </a:p>
-          <a:p>
-            <a:r>
-              <a:rPr lang="en-US" smtClean="0"/>
+              <a:rPr lang="en-US" dirty="0"/>
+              <a:t>Qos2: </a:t>
+            </a:r>
+            <a:r>
+              <a:rPr lang="en-US" dirty="0" err="1"/>
+              <a:t>Gửi</a:t>
+            </a:r>
+            <a:r>
+              <a:rPr lang="en-US" dirty="0"/>
+              <a:t> </a:t>
+            </a:r>
+            <a:r>
+              <a:rPr lang="en-US" dirty="0" err="1"/>
+              <a:t>xong</a:t>
+            </a:r>
+            <a:r>
+              <a:rPr lang="en-US" dirty="0"/>
+              <a:t> </a:t>
+            </a:r>
+            <a:r>
+              <a:rPr lang="en-US" dirty="0" err="1"/>
+              <a:t>và</a:t>
+            </a:r>
+            <a:r>
+              <a:rPr lang="en-US" dirty="0"/>
+              <a:t> </a:t>
+            </a:r>
+            <a:r>
+              <a:rPr lang="en-US" dirty="0" err="1"/>
+              <a:t>chờ</a:t>
+            </a:r>
+            <a:r>
+              <a:rPr lang="en-US" dirty="0"/>
+              <a:t> </a:t>
+            </a:r>
+            <a:r>
+              <a:rPr lang="en-US" dirty="0" err="1"/>
+              <a:t>phản</a:t>
+            </a:r>
+            <a:r>
+              <a:rPr lang="en-US" dirty="0"/>
+              <a:t> </a:t>
+            </a:r>
+            <a:r>
+              <a:rPr lang="en-US" dirty="0" err="1"/>
+              <a:t>hồi</a:t>
+            </a:r>
+            <a:r>
+              <a:rPr lang="en-US" dirty="0"/>
+              <a:t>.</a:t>
+            </a:r>
+          </a:p>
+          <a:p>
+            <a:r>
+              <a:rPr lang="en-US" dirty="0"/>
               <a:t>Retain: </a:t>
             </a:r>
           </a:p>
@@ -4544,24 +4811,414 @@
               <a:buChar char="-"/>
             </a:pPr>
             <a:r>
-              <a:rPr lang="en-US" smtClean="0"/>
-              <a:t>Cờ chốt dữ liệu cuối cùng gửi lên. (True: dữ liệu cuối được chốt, các client mới connect sau thì sẽ nhận được dữ liệu này khi subcribe topic tương ứng.)</a:t>
-            </a:r>
-            <a:endParaRPr lang="en-US"/>
-          </a:p>
-          <a:p>
-            <a:r>
-              <a:rPr lang="en-US" smtClean="0"/>
-              <a:t>Lwt: </a:t>
+              <a:rPr lang="en-US" dirty="0" err="1"/>
+              <a:t>Cờ</a:t>
+            </a:r>
+            <a:r>
+              <a:rPr lang="en-US" dirty="0"/>
+              <a:t> </a:t>
+            </a:r>
+            <a:r>
+              <a:rPr lang="en-US" dirty="0" err="1"/>
+              <a:t>chốt</a:t>
+            </a:r>
+            <a:r>
+              <a:rPr lang="en-US" dirty="0"/>
+              <a:t> </a:t>
+            </a:r>
+            <a:r>
+              <a:rPr lang="en-US" dirty="0" err="1"/>
+              <a:t>dữ</a:t>
+            </a:r>
+            <a:r>
+              <a:rPr lang="en-US" dirty="0"/>
+              <a:t> </a:t>
+            </a:r>
+            <a:r>
+              <a:rPr lang="en-US" dirty="0" err="1"/>
+              <a:t>liệu</a:t>
+            </a:r>
+            <a:r>
+              <a:rPr lang="en-US" dirty="0"/>
+              <a:t> </a:t>
+            </a:r>
+            <a:r>
+              <a:rPr lang="en-US" dirty="0" err="1"/>
+              <a:t>cuối</a:t>
+            </a:r>
+            <a:r>
+              <a:rPr lang="en-US" dirty="0"/>
+              <a:t> </a:t>
+            </a:r>
+            <a:r>
+              <a:rPr lang="en-US" dirty="0" err="1"/>
+              <a:t>cùng</a:t>
+            </a:r>
+            <a:r>
+              <a:rPr lang="en-US" dirty="0"/>
+              <a:t> </a:t>
+            </a:r>
+            <a:r>
+              <a:rPr lang="en-US" dirty="0" err="1"/>
+              <a:t>gửi</a:t>
+            </a:r>
+            <a:r>
+              <a:rPr lang="en-US" dirty="0"/>
+              <a:t> </a:t>
+            </a:r>
+            <a:r>
+              <a:rPr lang="en-US" dirty="0" err="1"/>
+              <a:t>lên</a:t>
+            </a:r>
+            <a:r>
+              <a:rPr lang="en-US" dirty="0"/>
+              <a:t>. (True: </a:t>
+            </a:r>
+            <a:r>
+              <a:rPr lang="en-US" dirty="0" err="1"/>
+              <a:t>dữ</a:t>
+            </a:r>
+            <a:r>
+              <a:rPr lang="en-US" dirty="0"/>
+              <a:t> </a:t>
+            </a:r>
+            <a:r>
+              <a:rPr lang="en-US" dirty="0" err="1"/>
+              <a:t>liệu</a:t>
+            </a:r>
+            <a:r>
+              <a:rPr lang="en-US" dirty="0"/>
+              <a:t> </a:t>
+            </a:r>
+            <a:r>
+              <a:rPr lang="en-US" dirty="0" err="1"/>
+              <a:t>cuối</a:t>
+            </a:r>
+            <a:r>
+              <a:rPr lang="en-US" dirty="0"/>
+              <a:t> </a:t>
+            </a:r>
+            <a:r>
+              <a:rPr lang="en-US" dirty="0" err="1"/>
+              <a:t>được</a:t>
+            </a:r>
+            <a:r>
+              <a:rPr lang="en-US" dirty="0"/>
+              <a:t> </a:t>
+            </a:r>
+            <a:r>
+              <a:rPr lang="en-US" dirty="0" err="1"/>
+              <a:t>chốt</a:t>
+            </a:r>
+            <a:r>
+              <a:rPr lang="en-US" dirty="0"/>
+              <a:t>, </a:t>
+            </a:r>
+            <a:r>
+              <a:rPr lang="en-US" dirty="0" err="1"/>
+              <a:t>các</a:t>
+            </a:r>
+            <a:r>
+              <a:rPr lang="en-US" dirty="0"/>
+              <a:t> client </a:t>
+            </a:r>
+            <a:r>
+              <a:rPr lang="en-US" dirty="0" err="1"/>
+              <a:t>mới</a:t>
+            </a:r>
+            <a:r>
+              <a:rPr lang="en-US" dirty="0"/>
+              <a:t> connect </a:t>
+            </a:r>
+            <a:r>
+              <a:rPr lang="en-US" dirty="0" err="1"/>
+              <a:t>sau</a:t>
+            </a:r>
+            <a:r>
+              <a:rPr lang="en-US" dirty="0"/>
+              <a:t> </a:t>
+            </a:r>
+            <a:r>
+              <a:rPr lang="en-US" dirty="0" err="1"/>
+              <a:t>thì</a:t>
+            </a:r>
+            <a:r>
+              <a:rPr lang="en-US" dirty="0"/>
+              <a:t> </a:t>
+            </a:r>
+            <a:r>
+              <a:rPr lang="en-US" dirty="0" err="1"/>
+              <a:t>sẽ</a:t>
+            </a:r>
+            <a:r>
+              <a:rPr lang="en-US" dirty="0"/>
+              <a:t> </a:t>
+            </a:r>
+            <a:r>
+              <a:rPr lang="en-US" dirty="0" err="1"/>
+              <a:t>nhận</a:t>
+            </a:r>
+            <a:r>
+              <a:rPr lang="en-US" dirty="0"/>
+              <a:t> </a:t>
+            </a:r>
+            <a:r>
+              <a:rPr lang="en-US" dirty="0" err="1"/>
+              <a:t>được</a:t>
+            </a:r>
+            <a:r>
+              <a:rPr lang="en-US" dirty="0"/>
+              <a:t> </a:t>
+            </a:r>
+            <a:r>
+              <a:rPr lang="en-US" dirty="0" err="1"/>
+              <a:t>dữ</a:t>
+            </a:r>
+            <a:r>
+              <a:rPr lang="en-US" dirty="0"/>
+              <a:t> </a:t>
+            </a:r>
+            <a:r>
+              <a:rPr lang="en-US" dirty="0" err="1"/>
+              <a:t>liệu</a:t>
+            </a:r>
+            <a:r>
+              <a:rPr lang="en-US" dirty="0"/>
+              <a:t> </a:t>
+            </a:r>
+            <a:r>
+              <a:rPr lang="en-US" dirty="0" err="1"/>
+              <a:t>này</a:t>
+            </a:r>
+            <a:r>
+              <a:rPr lang="en-US" dirty="0"/>
+              <a:t> </a:t>
+            </a:r>
+            <a:r>
+              <a:rPr lang="en-US" dirty="0" err="1"/>
+              <a:t>khi</a:t>
+            </a:r>
+            <a:r>
+              <a:rPr lang="en-US" dirty="0"/>
+              <a:t> </a:t>
+            </a:r>
+            <a:r>
+              <a:rPr lang="en-US" dirty="0" err="1"/>
+              <a:t>subcribe</a:t>
+            </a:r>
+            <a:r>
+              <a:rPr lang="en-US" dirty="0"/>
+              <a:t> topic </a:t>
+            </a:r>
+            <a:r>
+              <a:rPr lang="en-US" dirty="0" err="1"/>
+              <a:t>tương</a:t>
+            </a:r>
+            <a:r>
+              <a:rPr lang="en-US" dirty="0"/>
+              <a:t> </a:t>
+            </a:r>
+            <a:r>
+              <a:rPr lang="en-US" dirty="0" err="1"/>
+              <a:t>ứng</a:t>
+            </a:r>
+            <a:r>
+              <a:rPr lang="en-US" dirty="0"/>
+              <a:t>.)</a:t>
+            </a:r>
+          </a:p>
+          <a:p>
+            <a:r>
+              <a:rPr lang="en-US" dirty="0" err="1"/>
+              <a:t>Lwt</a:t>
+            </a:r>
+            <a:r>
+              <a:rPr lang="en-US" dirty="0"/>
+              <a:t>: </a:t>
             </a:r>
           </a:p>
           <a:p>
             <a:pPr marL="357188" indent="-92075"/>
             <a:r>
-              <a:rPr lang="en-US" smtClean="0"/>
-              <a:t>- Gói tin lwt: được tạo ra khi client vừa connect -&gt; broker. Khi client disconnect, thì gói tin này sẽ được broker gửi theo như yêu cầu của gói tin. (như bản di chúc của client).</a:t>
-            </a:r>
-            <a:endParaRPr lang="en-US"/>
+              <a:rPr lang="en-US" dirty="0"/>
+              <a:t>- </a:t>
+            </a:r>
+            <a:r>
+              <a:rPr lang="en-US" dirty="0" err="1"/>
+              <a:t>Gói</a:t>
+            </a:r>
+            <a:r>
+              <a:rPr lang="en-US" dirty="0"/>
+              <a:t> tin </a:t>
+            </a:r>
+            <a:r>
+              <a:rPr lang="en-US" dirty="0" err="1"/>
+              <a:t>lwt</a:t>
+            </a:r>
+            <a:r>
+              <a:rPr lang="en-US" dirty="0"/>
+              <a:t>: </a:t>
+            </a:r>
+            <a:r>
+              <a:rPr lang="en-US" dirty="0" err="1"/>
+              <a:t>được</a:t>
+            </a:r>
+            <a:r>
+              <a:rPr lang="en-US" dirty="0"/>
+              <a:t> </a:t>
+            </a:r>
+            <a:r>
+              <a:rPr lang="en-US" dirty="0" err="1"/>
+              <a:t>tạo</a:t>
+            </a:r>
+            <a:r>
+              <a:rPr lang="en-US" dirty="0"/>
+              <a:t> ra </a:t>
+            </a:r>
+            <a:r>
+              <a:rPr lang="en-US" dirty="0" err="1"/>
+              <a:t>khi</a:t>
+            </a:r>
+            <a:r>
+              <a:rPr lang="en-US" dirty="0"/>
+              <a:t> client </a:t>
+            </a:r>
+            <a:r>
+              <a:rPr lang="en-US" dirty="0" err="1"/>
+              <a:t>vừa</a:t>
+            </a:r>
+            <a:r>
+              <a:rPr lang="en-US" dirty="0"/>
+              <a:t> connect -&gt; broker. Khi client disconnect, </a:t>
+            </a:r>
+            <a:r>
+              <a:rPr lang="en-US" dirty="0" err="1"/>
+              <a:t>thì</a:t>
+            </a:r>
+            <a:r>
+              <a:rPr lang="en-US" dirty="0"/>
+              <a:t> </a:t>
+            </a:r>
+            <a:r>
+              <a:rPr lang="en-US" dirty="0" err="1"/>
+              <a:t>gói</a:t>
+            </a:r>
+            <a:r>
+              <a:rPr lang="en-US" dirty="0"/>
+              <a:t> tin </a:t>
+            </a:r>
+            <a:r>
+              <a:rPr lang="en-US" dirty="0" err="1"/>
+              <a:t>này</a:t>
+            </a:r>
+            <a:r>
+              <a:rPr lang="en-US" dirty="0"/>
+              <a:t> </a:t>
+            </a:r>
+            <a:r>
+              <a:rPr lang="en-US" dirty="0" err="1"/>
+              <a:t>sẽ</a:t>
+            </a:r>
+            <a:r>
+              <a:rPr lang="en-US" dirty="0"/>
+              <a:t> </a:t>
+            </a:r>
+            <a:r>
+              <a:rPr lang="en-US" dirty="0" err="1"/>
+              <a:t>được</a:t>
+            </a:r>
+            <a:r>
+              <a:rPr lang="en-US" dirty="0"/>
+              <a:t> broker </a:t>
+            </a:r>
+            <a:r>
+              <a:rPr lang="en-US" dirty="0" err="1"/>
+              <a:t>gửi</a:t>
+            </a:r>
+            <a:r>
+              <a:rPr lang="en-US" dirty="0"/>
+              <a:t> </a:t>
+            </a:r>
+            <a:r>
+              <a:rPr lang="en-US" dirty="0" err="1"/>
+              <a:t>theo</a:t>
+            </a:r>
+            <a:r>
+              <a:rPr lang="en-US" dirty="0"/>
+              <a:t> </a:t>
+            </a:r>
+            <a:r>
+              <a:rPr lang="en-US" dirty="0" err="1"/>
+              <a:t>như</a:t>
+            </a:r>
+            <a:r>
+              <a:rPr lang="en-US" dirty="0"/>
+              <a:t> </a:t>
+            </a:r>
+            <a:r>
+              <a:rPr lang="en-US" dirty="0" err="1"/>
+              <a:t>yêu</a:t>
+            </a:r>
+            <a:r>
+              <a:rPr lang="en-US" dirty="0"/>
+              <a:t> </a:t>
+            </a:r>
+            <a:r>
+              <a:rPr lang="en-US" dirty="0" err="1"/>
+              <a:t>cầu</a:t>
+            </a:r>
+            <a:r>
+              <a:rPr lang="en-US" dirty="0"/>
+              <a:t> </a:t>
+            </a:r>
+            <a:r>
+              <a:rPr lang="en-US" dirty="0" err="1"/>
+              <a:t>của</a:t>
+            </a:r>
+            <a:r>
+              <a:rPr lang="en-US" dirty="0"/>
+              <a:t> </a:t>
+            </a:r>
+            <a:r>
+              <a:rPr lang="en-US" dirty="0" err="1"/>
+              <a:t>gói</a:t>
+            </a:r>
+            <a:r>
+              <a:rPr lang="en-US" dirty="0"/>
+              <a:t> tin. (</a:t>
+            </a:r>
+            <a:r>
+              <a:rPr lang="en-US" dirty="0" err="1"/>
+              <a:t>như</a:t>
+            </a:r>
+            <a:r>
+              <a:rPr lang="en-US" dirty="0"/>
+              <a:t> </a:t>
+            </a:r>
+            <a:r>
+              <a:rPr lang="en-US" dirty="0" err="1"/>
+              <a:t>bản</a:t>
+            </a:r>
+            <a:r>
+              <a:rPr lang="en-US" dirty="0"/>
+              <a:t> di </a:t>
+            </a:r>
+            <a:r>
+              <a:rPr lang="en-US" dirty="0" err="1"/>
+              <a:t>chúc</a:t>
+            </a:r>
+            <a:r>
+              <a:rPr lang="en-US" dirty="0"/>
+              <a:t> </a:t>
+            </a:r>
+            <a:r>
+              <a:rPr lang="en-US" dirty="0" err="1"/>
+              <a:t>của</a:t>
+            </a:r>
+            <a:r>
+              <a:rPr lang="en-US" dirty="0"/>
+              <a:t> client).</a:t>
+            </a:r>
           </a:p>
         </p:txBody>
       </p:sp>
@@ -4575,8 +5232,8 @@
         </p:nvSpPr>
         <p:spPr>
           <a:xfrm>
-            <a:off x="2266950" y="1381352"/>
-            <a:ext cx="4472178" cy="333375"/>
+            <a:off x="2266949" y="1381352"/>
+            <a:ext cx="5393307" cy="333375"/>
           </a:xfrm>
           <a:prstGeom prst="rect">
             <a:avLst/>
@@ -4752,18 +5409,40 @@
           </a:lstStyle>
           <a:p>
             <a:r>
-              <a:rPr lang="en-US" sz="1600" smtClean="0"/>
-              <a:t>b. Qos, retain, lwt (</a:t>
-            </a:r>
-            <a:r>
-              <a:rPr lang="en-US" sz="1600"/>
-              <a:t>last will and testament</a:t>
-            </a:r>
-            <a:r>
-              <a:rPr lang="en-US" sz="1600" smtClean="0"/>
-              <a:t>)</a:t>
-            </a:r>
-            <a:endParaRPr lang="en-US" sz="1600"/>
+              <a:rPr lang="en-US" sz="1600" dirty="0">
+                <a:latin typeface="Segoe UI Black" panose="020B0A02040204020203" pitchFamily="34" charset="0"/>
+                <a:ea typeface="Segoe UI Black" panose="020B0A02040204020203" pitchFamily="34" charset="0"/>
+              </a:rPr>
+              <a:t>b. </a:t>
+            </a:r>
+            <a:r>
+              <a:rPr lang="en-US" sz="1600" dirty="0" err="1">
+                <a:latin typeface="Segoe UI Black" panose="020B0A02040204020203" pitchFamily="34" charset="0"/>
+                <a:ea typeface="Segoe UI Black" panose="020B0A02040204020203" pitchFamily="34" charset="0"/>
+              </a:rPr>
+              <a:t>Qos</a:t>
+            </a:r>
+            <a:r>
+              <a:rPr lang="en-US" sz="1600" dirty="0">
+                <a:latin typeface="Segoe UI Black" panose="020B0A02040204020203" pitchFamily="34" charset="0"/>
+                <a:ea typeface="Segoe UI Black" panose="020B0A02040204020203" pitchFamily="34" charset="0"/>
+              </a:rPr>
+              <a:t>, retain, </a:t>
+            </a:r>
+            <a:r>
+              <a:rPr lang="en-US" sz="1600" dirty="0" err="1">
+                <a:latin typeface="Segoe UI Black" panose="020B0A02040204020203" pitchFamily="34" charset="0"/>
+                <a:ea typeface="Segoe UI Black" panose="020B0A02040204020203" pitchFamily="34" charset="0"/>
+              </a:rPr>
+              <a:t>lwt</a:t>
+            </a:r>
+            <a:r>
+              <a:rPr lang="en-US" sz="1600" dirty="0">
+                <a:latin typeface="Segoe UI Black" panose="020B0A02040204020203" pitchFamily="34" charset="0"/>
+                <a:ea typeface="Segoe UI Black" panose="020B0A02040204020203" pitchFamily="34" charset="0"/>
+              </a:rPr>
+              <a:t> (last will and testament)</a:t>
+            </a:r>
           </a:p>
         </p:txBody>
       </p:sp>
@@ -4777,13 +5456,6 @@
   <p:clrMapOvr>
     <a:masterClrMapping/>
   </p:clrMapOvr>
-  <p:timing>
-    <p:tnLst>
-      <p:par>
-        <p:cTn id="1" dur="indefinite" restart="never" nodeType="tmRoot"/>
-      </p:par>
-    </p:tnLst>
-  </p:timing>
 </p:sld>
 </file>
 
@@ -4820,10 +5492,34 @@
           <a:lstStyle/>
           <a:p>
             <a:r>
-              <a:rPr lang="en-US" smtClean="0"/>
-              <a:t>Thư viện hỗ trợ</a:t>
-            </a:r>
-            <a:endParaRPr lang="en-US"/>
+              <a:rPr lang="en-US" sz="3000" dirty="0" err="1"/>
+              <a:t>Thư</a:t>
+            </a:r>
+            <a:r>
+              <a:rPr lang="en-US" sz="3000" dirty="0"/>
+              <a:t> </a:t>
+            </a:r>
+            <a:r>
+              <a:rPr lang="en-US" sz="3000" dirty="0" err="1"/>
+              <a:t>viện</a:t>
+            </a:r>
+            <a:r>
+              <a:rPr lang="en-US" sz="3000" dirty="0"/>
+              <a:t> </a:t>
+            </a:r>
+            <a:r>
+              <a:rPr lang="en-US" sz="3000" dirty="0" err="1"/>
+              <a:t>hỗ</a:t>
+            </a:r>
+            <a:r>
+              <a:rPr lang="en-US" sz="3000" dirty="0"/>
+              <a:t> </a:t>
+            </a:r>
+            <a:r>
+              <a:rPr lang="en-US" sz="3000" dirty="0" err="1"/>
+              <a:t>trợ</a:t>
+            </a:r>
+            <a:endParaRPr lang="en-US" sz="3000" dirty="0"/>
           </a:p>
         </p:txBody>
       </p:sp>
@@ -4850,16 +5546,20 @@
           <a:lstStyle/>
           <a:p>
             <a:r>
-              <a:rPr lang="en-US" sz="1600" smtClean="0"/>
-              <a:t>PubSubClient.h - </a:t>
-            </a:r>
-            <a:r>
-              <a:rPr lang="en-US" sz="1600">
+              <a:rPr lang="en-US" sz="1600" dirty="0" err="1"/>
+              <a:t>PubSubClient.h</a:t>
+            </a:r>
+            <a:r>
+              <a:rPr lang="en-US" sz="1600" dirty="0"/>
+              <a:t> - </a:t>
+            </a:r>
+            <a:r>
+              <a:rPr lang="en-US" sz="1600" dirty="0">
                 <a:hlinkClick r:id="rId2"/>
               </a:rPr>
               <a:t>https://pubsubclient.knolleary.net/api</a:t>
             </a:r>
-            <a:endParaRPr lang="en-US" sz="1600"/>
+            <a:endParaRPr lang="en-US" sz="1600" dirty="0"/>
           </a:p>
         </p:txBody>
       </p:sp>
@@ -4891,8 +5591,28 @@
               </a:lnSpc>
             </a:pPr>
             <a:r>
-              <a:rPr lang="en-US" sz="1400" smtClean="0"/>
-              <a:t>PubSubClient &lt;name_of_client_mqtt&gt;(network_client);</a:t>
+              <a:rPr lang="en-US" sz="1400" dirty="0" err="1"/>
+              <a:t>PubSubClient</a:t>
+            </a:r>
+            <a:r>
+              <a:rPr lang="en-US" sz="1400" dirty="0"/>
+              <a:t> &lt;</a:t>
+            </a:r>
+            <a:r>
+              <a:rPr lang="en-US" sz="1400" dirty="0" err="1"/>
+              <a:t>name_of_client_mqtt</a:t>
+            </a:r>
+            <a:r>
+              <a:rPr lang="en-US" sz="1400" dirty="0"/>
+              <a:t>&gt;(</a:t>
+            </a:r>
+            <a:r>
+              <a:rPr lang="en-US" sz="1400" dirty="0" err="1"/>
+              <a:t>network_client</a:t>
+            </a:r>
+            <a:r>
+              <a:rPr lang="en-US" sz="1400" dirty="0"/>
+              <a:t>);</a:t>
             </a:r>
           </a:p>
           <a:p>
@@ -4902,8 +5622,28 @@
               </a:lnSpc>
             </a:pPr>
             <a:r>
-              <a:rPr lang="en-US" sz="1400" smtClean="0"/>
-              <a:t>Hàm trong class PubSubClient: </a:t>
+              <a:rPr lang="en-US" sz="1400" dirty="0" err="1"/>
+              <a:t>Hàm</a:t>
+            </a:r>
+            <a:r>
+              <a:rPr lang="en-US" sz="1400" dirty="0"/>
+              <a:t> </a:t>
+            </a:r>
+            <a:r>
+              <a:rPr lang="en-US" sz="1400" dirty="0" err="1"/>
+              <a:t>trong</a:t>
+            </a:r>
+            <a:r>
+              <a:rPr lang="en-US" sz="1400" dirty="0"/>
+              <a:t> class </a:t>
+            </a:r>
+            <a:r>
+              <a:rPr lang="en-US" sz="1400" dirty="0" err="1"/>
+              <a:t>PubSubClient</a:t>
+            </a:r>
+            <a:r>
+              <a:rPr lang="en-US" sz="1400" dirty="0"/>
+              <a:t>: </a:t>
             </a:r>
           </a:p>
           <a:p>
@@ -4913,8 +5653,64 @@
               </a:lnSpc>
             </a:pPr>
             <a:r>
-              <a:rPr lang="en-US" sz="1400" smtClean="0"/>
-              <a:t> - boolean connect(clientID, [username, password] , [willTopic, willQos, willRetain, willMessage], cleanSession);</a:t>
+              <a:rPr lang="en-US" sz="1400" dirty="0"/>
+              <a:t> - </a:t>
+            </a:r>
+            <a:r>
+              <a:rPr lang="en-US" sz="1400" dirty="0" err="1"/>
+              <a:t>boolean</a:t>
+            </a:r>
+            <a:r>
+              <a:rPr lang="en-US" sz="1400" dirty="0"/>
+              <a:t> connect(</a:t>
+            </a:r>
+            <a:r>
+              <a:rPr lang="en-US" sz="1400" dirty="0" err="1"/>
+              <a:t>clientID</a:t>
+            </a:r>
+            <a:r>
+              <a:rPr lang="en-US" sz="1400" dirty="0"/>
+              <a:t>, [username, password] , [</a:t>
+            </a:r>
+            <a:r>
+              <a:rPr lang="en-US" sz="1400" dirty="0" err="1"/>
+              <a:t>willTopic</a:t>
+            </a:r>
+            <a:r>
+              <a:rPr lang="en-US" sz="1400" dirty="0"/>
+              <a:t>, </a:t>
+            </a:r>
+            <a:r>
+              <a:rPr lang="en-US" sz="1400" dirty="0" err="1"/>
+              <a:t>willQos</a:t>
+            </a:r>
+            <a:r>
+              <a:rPr lang="en-US" sz="1400" dirty="0"/>
+              <a:t>, </a:t>
+            </a:r>
+            <a:r>
+              <a:rPr lang="en-US" sz="1400" dirty="0" err="1"/>
+              <a:t>willRetain</a:t>
+            </a:r>
+            <a:r>
+              <a:rPr lang="en-US" sz="1400" dirty="0"/>
+              <a:t>, </a:t>
+            </a:r>
+            <a:r>
+              <a:rPr lang="en-US" sz="1400" dirty="0" err="1"/>
+              <a:t>willMessage</a:t>
+            </a:r>
+            <a:r>
+              <a:rPr lang="en-US" sz="1400" dirty="0"/>
+              <a:t>], </a:t>
+            </a:r>
+            <a:r>
+              <a:rPr lang="en-US" sz="1400" dirty="0" err="1"/>
+              <a:t>cleanSession</a:t>
+            </a:r>
+            <a:r>
+              <a:rPr lang="en-US" sz="1400" dirty="0"/>
+              <a:t>);</a:t>
             </a:r>
           </a:p>
           <a:p>
@@ -4924,12 +5720,24 @@
               </a:lnSpc>
             </a:pPr>
             <a:r>
-              <a:rPr lang="en-US" sz="1400"/>
-              <a:t> </a:t>
-            </a:r>
-            <a:r>
-              <a:rPr lang="en-US" sz="1400" smtClean="0"/>
-              <a:t>- PubSubClient* setServer(server, port);</a:t>
+              <a:rPr lang="en-US" sz="1400" dirty="0"/>
+              <a:t> - </a:t>
+            </a:r>
+            <a:r>
+              <a:rPr lang="en-US" sz="1400" dirty="0" err="1"/>
+              <a:t>PubSubClient</a:t>
+            </a:r>
+            <a:r>
+              <a:rPr lang="en-US" sz="1400" dirty="0"/>
+              <a:t>* </a:t>
+            </a:r>
+            <a:r>
+              <a:rPr lang="en-US" sz="1400" dirty="0" err="1"/>
+              <a:t>setServer</a:t>
+            </a:r>
+            <a:r>
+              <a:rPr lang="en-US" sz="1400" dirty="0"/>
+              <a:t>(server, port);</a:t>
             </a:r>
           </a:p>
           <a:p>
@@ -4939,12 +5747,16 @@
               </a:lnSpc>
             </a:pPr>
             <a:r>
-              <a:rPr lang="en-US" sz="1400"/>
-              <a:t> </a:t>
-            </a:r>
-            <a:r>
-              <a:rPr lang="en-US" sz="1400" smtClean="0"/>
-              <a:t>- boolean publish(topic, payload, [length], [retained]);</a:t>
+              <a:rPr lang="en-US" sz="1400" dirty="0"/>
+              <a:t> - </a:t>
+            </a:r>
+            <a:r>
+              <a:rPr lang="en-US" sz="1400" dirty="0" err="1"/>
+              <a:t>boolean</a:t>
+            </a:r>
+            <a:r>
+              <a:rPr lang="en-US" sz="1400" dirty="0"/>
+              <a:t> publish(topic, payload, [length], [retained]);</a:t>
             </a:r>
           </a:p>
           <a:p>
@@ -4954,28 +5766,16 @@
               </a:lnSpc>
             </a:pPr>
             <a:r>
-              <a:rPr lang="en-US" sz="1400"/>
-              <a:t> </a:t>
-            </a:r>
-            <a:r>
-              <a:rPr lang="en-US" sz="1400" smtClean="0"/>
-              <a:t>- </a:t>
-            </a:r>
-            <a:r>
-              <a:rPr lang="en-US" sz="1400"/>
-              <a:t>boolean publish(topic, payload</a:t>
-            </a:r>
-            <a:r>
-              <a:rPr lang="en-US" sz="1400" smtClean="0"/>
-              <a:t>, </a:t>
-            </a:r>
-            <a:r>
-              <a:rPr lang="en-US" sz="1400"/>
-              <a:t>[retained</a:t>
-            </a:r>
-            <a:r>
-              <a:rPr lang="en-US" sz="1400" smtClean="0"/>
-              <a:t>]);</a:t>
+              <a:rPr lang="en-US" sz="1400" dirty="0"/>
+              <a:t> - </a:t>
+            </a:r>
+            <a:r>
+              <a:rPr lang="en-US" sz="1400" dirty="0" err="1"/>
+              <a:t>boolean</a:t>
+            </a:r>
+            <a:r>
+              <a:rPr lang="en-US" sz="1400" dirty="0"/>
+              <a:t> publish(topic, payload, [retained]);</a:t>
             </a:r>
           </a:p>
           <a:p>
@@ -4985,12 +5785,24 @@
               </a:lnSpc>
             </a:pPr>
             <a:r>
-              <a:rPr lang="en-US" sz="1400"/>
-              <a:t> </a:t>
-            </a:r>
-            <a:r>
-              <a:rPr lang="en-US" sz="1400" smtClean="0"/>
-              <a:t>- boolean subscribe(topic, [qos]);</a:t>
+              <a:rPr lang="en-US" sz="1400" dirty="0"/>
+              <a:t> - </a:t>
+            </a:r>
+            <a:r>
+              <a:rPr lang="en-US" sz="1400" dirty="0" err="1"/>
+              <a:t>boolean</a:t>
+            </a:r>
+            <a:r>
+              <a:rPr lang="en-US" sz="1400" dirty="0"/>
+              <a:t> subscribe(topic, [</a:t>
+            </a:r>
+            <a:r>
+              <a:rPr lang="en-US" sz="1400" dirty="0" err="1"/>
+              <a:t>qos</a:t>
+            </a:r>
+            <a:r>
+              <a:rPr lang="en-US" sz="1400" dirty="0"/>
+              <a:t>]);</a:t>
             </a:r>
           </a:p>
           <a:p>
@@ -5000,7 +5812,7 @@
               </a:lnSpc>
             </a:pPr>
             <a:r>
-              <a:rPr lang="en-US" sz="1400" smtClean="0"/>
+              <a:rPr lang="en-US" sz="1400" dirty="0"/>
               <a:t> </a:t>
             </a:r>
           </a:p>
@@ -5193,10 +6005,75 @@
           </a:lstStyle>
           <a:p>
             <a:r>
-              <a:rPr lang="en-US" sz="1600" smtClean="0"/>
-              <a:t>Một số hàm cơ bản:</a:t>
-            </a:r>
-            <a:endParaRPr lang="en-US" sz="1600"/>
+              <a:rPr lang="en-US" sz="1600" dirty="0" err="1">
+                <a:latin typeface="Segoe UI Black" panose="020B0A02040204020203" pitchFamily="34" charset="0"/>
+                <a:ea typeface="Segoe UI Black" panose="020B0A02040204020203" pitchFamily="34" charset="0"/>
+              </a:rPr>
+              <a:t>Một</a:t>
+            </a:r>
+            <a:r>
+              <a:rPr lang="en-US" sz="1600" dirty="0">
+                <a:latin typeface="Segoe UI Black" panose="020B0A02040204020203" pitchFamily="34" charset="0"/>
+                <a:ea typeface="Segoe UI Black" panose="020B0A02040204020203" pitchFamily="34" charset="0"/>
+              </a:rPr>
+              <a:t> </a:t>
+            </a:r>
+            <a:r>
+              <a:rPr lang="en-US" sz="1600" dirty="0" err="1">
+                <a:latin typeface="Segoe UI Black" panose="020B0A02040204020203" pitchFamily="34" charset="0"/>
+                <a:ea typeface="Segoe UI Black" panose="020B0A02040204020203" pitchFamily="34" charset="0"/>
+              </a:rPr>
+              <a:t>số</a:t>
+            </a:r>
+            <a:r>
+              <a:rPr lang="en-US" sz="1600" dirty="0">
+                <a:latin typeface="Segoe UI Black" panose="020B0A02040204020203" pitchFamily="34" charset="0"/>
+                <a:ea typeface="Segoe UI Black" panose="020B0A02040204020203" pitchFamily="34" charset="0"/>
+              </a:rPr>
+              <a:t> </a:t>
+            </a:r>
+            <a:r>
+              <a:rPr lang="en-US" sz="1600" dirty="0" err="1">
+                <a:latin typeface="Segoe UI Black" panose="020B0A02040204020203" pitchFamily="34" charset="0"/>
+                <a:ea typeface="Segoe UI Black" panose="020B0A02040204020203" pitchFamily="34" charset="0"/>
+              </a:rPr>
+              <a:t>hàm</a:t>
+            </a:r>
+            <a:r>
+              <a:rPr lang="en-US" sz="1600" dirty="0">
+                <a:latin typeface="Segoe UI Black" panose="020B0A02040204020203" pitchFamily="34" charset="0"/>
+                <a:ea typeface="Segoe UI Black" panose="020B0A02040204020203" pitchFamily="34" charset="0"/>
+              </a:rPr>
+              <a:t> </a:t>
+            </a:r>
+            <a:r>
+              <a:rPr lang="en-US" sz="1600" dirty="0" err="1">
+                <a:latin typeface="Segoe UI Black" panose="020B0A02040204020203" pitchFamily="34" charset="0"/>
+                <a:ea typeface="Segoe UI Black" panose="020B0A02040204020203" pitchFamily="34" charset="0"/>
+              </a:rPr>
+              <a:t>cơ</a:t>
+            </a:r>
+            <a:r>
+              <a:rPr lang="en-US" sz="1600" dirty="0">
+                <a:latin typeface="Segoe UI Black" panose="020B0A02040204020203" pitchFamily="34" charset="0"/>
+                <a:ea typeface="Segoe UI Black" panose="020B0A02040204020203" pitchFamily="34" charset="0"/>
+              </a:rPr>
+              <a:t> </a:t>
+            </a:r>
+            <a:r>
+              <a:rPr lang="en-US" sz="1600" dirty="0" err="1">
+                <a:latin typeface="Segoe UI Black" panose="020B0A02040204020203" pitchFamily="34" charset="0"/>
+                <a:ea typeface="Segoe UI Black" panose="020B0A02040204020203" pitchFamily="34" charset="0"/>
+              </a:rPr>
+              <a:t>bản</a:t>
+            </a:r>
+            <a:r>
+              <a:rPr lang="en-US" sz="1600" dirty="0">
+                <a:latin typeface="Segoe UI Black" panose="020B0A02040204020203" pitchFamily="34" charset="0"/>
+                <a:ea typeface="Segoe UI Black" panose="020B0A02040204020203" pitchFamily="34" charset="0"/>
+              </a:rPr>
+              <a:t>:</a:t>
+            </a:r>
           </a:p>
         </p:txBody>
       </p:sp>
@@ -5210,13 +6087,6 @@
   <p:clrMapOvr>
     <a:masterClrMapping/>
   </p:clrMapOvr>
-  <p:timing>
-    <p:tnLst>
-      <p:par>
-        <p:cTn id="1" dur="indefinite" restart="never" nodeType="tmRoot"/>
-      </p:par>
-    </p:tnLst>
-  </p:timing>
 </p:sld>
 </file>
 
@@ -5253,10 +6123,9 @@
           <a:lstStyle/>
           <a:p>
             <a:r>
-              <a:rPr lang="en-US" smtClean="0"/>
+              <a:rPr lang="en-US" dirty="0"/>
               <a:t>MQTT &amp; JSON</a:t>
             </a:r>
-            <a:endParaRPr lang="en-US"/>
           </a:p>
         </p:txBody>
       </p:sp>
@@ -5278,10 +6147,21 @@
           <a:lstStyle/>
           <a:p>
             <a:r>
-              <a:rPr lang="en-US" smtClean="0"/>
-              <a:t>Điều khiển led</a:t>
-            </a:r>
-            <a:endParaRPr lang="en-US"/>
+              <a:rPr lang="en-US" dirty="0" err="1"/>
+              <a:t>Điều</a:t>
+            </a:r>
+            <a:r>
+              <a:rPr lang="en-US" dirty="0"/>
+              <a:t> </a:t>
+            </a:r>
+            <a:r>
+              <a:rPr lang="en-US" dirty="0" err="1"/>
+              <a:t>khiển</a:t>
+            </a:r>
+            <a:r>
+              <a:rPr lang="en-US" dirty="0"/>
+              <a:t> led</a:t>
+            </a:r>
           </a:p>
         </p:txBody>
       </p:sp>
@@ -5365,13 +6245,6 @@
   <p:clrMapOvr>
     <a:masterClrMapping/>
   </p:clrMapOvr>
-  <p:timing>
-    <p:tnLst>
-      <p:par>
-        <p:cTn id="1" dur="indefinite" restart="never" nodeType="tmRoot"/>
-      </p:par>
-    </p:tnLst>
-  </p:timing>
 </p:sld>
 </file>
 
@@ -5408,10 +6281,9 @@
           <a:lstStyle/>
           <a:p>
             <a:r>
-              <a:rPr lang="en-US" smtClean="0"/>
+              <a:rPr lang="en-US" dirty="0"/>
               <a:t>MQTT &amp; JSON</a:t>
             </a:r>
-            <a:endParaRPr lang="en-US"/>
           </a:p>
         </p:txBody>
       </p:sp>
@@ -5433,10 +6305,21 @@
           <a:lstStyle/>
           <a:p>
             <a:r>
-              <a:rPr lang="en-US" smtClean="0"/>
-              <a:t>Điều khiển led</a:t>
-            </a:r>
-            <a:endParaRPr lang="en-US"/>
+              <a:rPr lang="en-US" dirty="0" err="1"/>
+              <a:t>Điều</a:t>
+            </a:r>
+            <a:r>
+              <a:rPr lang="en-US" dirty="0"/>
+              <a:t> </a:t>
+            </a:r>
+            <a:r>
+              <a:rPr lang="en-US" dirty="0" err="1"/>
+              <a:t>khiển</a:t>
+            </a:r>
+            <a:r>
+              <a:rPr lang="en-US" dirty="0"/>
+              <a:t> led</a:t>
+            </a:r>
           </a:p>
         </p:txBody>
       </p:sp>
@@ -5485,13 +6368,6 @@
   <p:clrMapOvr>
     <a:masterClrMapping/>
   </p:clrMapOvr>
-  <p:timing>
-    <p:tnLst>
-      <p:par>
-        <p:cTn id="1" dur="indefinite" restart="never" nodeType="tmRoot"/>
-      </p:par>
-    </p:tnLst>
-  </p:timing>
 </p:sld>
 </file>
 
@@ -5528,10 +6404,9 @@
           <a:lstStyle/>
           <a:p>
             <a:r>
-              <a:rPr lang="en-US" smtClean="0"/>
+              <a:rPr lang="en-US" sz="3000" dirty="0"/>
               <a:t>MQTT &amp; JSON</a:t>
             </a:r>
-            <a:endParaRPr lang="en-US"/>
           </a:p>
         </p:txBody>
       </p:sp>
@@ -5553,10 +6428,21 @@
           <a:lstStyle/>
           <a:p>
             <a:r>
-              <a:rPr lang="en-US" smtClean="0"/>
-              <a:t>Điều khiển led</a:t>
-            </a:r>
-            <a:endParaRPr lang="en-US"/>
+              <a:rPr lang="en-US" dirty="0" err="1"/>
+              <a:t>Điều</a:t>
+            </a:r>
+            <a:r>
+              <a:rPr lang="en-US" dirty="0"/>
+              <a:t> </a:t>
+            </a:r>
+            <a:r>
+              <a:rPr lang="en-US" dirty="0" err="1"/>
+              <a:t>khiển</a:t>
+            </a:r>
+            <a:r>
+              <a:rPr lang="en-US" dirty="0"/>
+              <a:t> led</a:t>
+            </a:r>
           </a:p>
         </p:txBody>
       </p:sp>
@@ -5605,13 +6491,6 @@
   <p:clrMapOvr>
     <a:masterClrMapping/>
   </p:clrMapOvr>
-  <p:timing>
-    <p:tnLst>
-      <p:par>
-        <p:cTn id="1" dur="indefinite" restart="never" nodeType="tmRoot"/>
-      </p:par>
-    </p:tnLst>
-  </p:timing>
 </p:sld>
 </file>
 
@@ -5648,10 +6527,9 @@
           <a:lstStyle/>
           <a:p>
             <a:r>
-              <a:rPr lang="en-US" smtClean="0"/>
+              <a:rPr lang="en-US" sz="3000" dirty="0"/>
               <a:t>MQTT &amp; JSON</a:t>
             </a:r>
-            <a:endParaRPr lang="en-US"/>
           </a:p>
         </p:txBody>
       </p:sp>
@@ -5673,10 +6551,21 @@
           <a:lstStyle/>
           <a:p>
             <a:r>
-              <a:rPr lang="en-US" smtClean="0"/>
-              <a:t>Điều khiển led</a:t>
-            </a:r>
-            <a:endParaRPr lang="en-US"/>
+              <a:rPr lang="en-US" dirty="0" err="1"/>
+              <a:t>Điều</a:t>
+            </a:r>
+            <a:r>
+              <a:rPr lang="en-US" dirty="0"/>
+              <a:t> </a:t>
+            </a:r>
+            <a:r>
+              <a:rPr lang="en-US" dirty="0" err="1"/>
+              <a:t>khiển</a:t>
+            </a:r>
+            <a:r>
+              <a:rPr lang="en-US" dirty="0"/>
+              <a:t> led</a:t>
+            </a:r>
           </a:p>
         </p:txBody>
       </p:sp>
@@ -5725,13 +6614,6 @@
   <p:clrMapOvr>
     <a:masterClrMapping/>
   </p:clrMapOvr>
-  <p:timing>
-    <p:tnLst>
-      <p:par>
-        <p:cTn id="1" dur="indefinite" restart="never" nodeType="tmRoot"/>
-      </p:par>
-    </p:tnLst>
-  </p:timing>
 </p:sld>
 </file>
 
